--- a/Git & Github.pptx
+++ b/Git & Github.pptx
@@ -5,10 +5,10 @@
     <p:sldMasterId id="2147483648" r:id="rId4"/>
   </p:sldMasterIdLst>
   <p:notesMasterIdLst>
-    <p:notesMasterId r:id="rId24"/>
+    <p:notesMasterId r:id="rId28"/>
   </p:notesMasterIdLst>
   <p:handoutMasterIdLst>
-    <p:handoutMasterId r:id="rId25"/>
+    <p:handoutMasterId r:id="rId29"/>
   </p:handoutMasterIdLst>
   <p:sldIdLst>
     <p:sldId id="289" r:id="rId5"/>
@@ -16,20 +16,24 @@
     <p:sldId id="1907" r:id="rId7"/>
     <p:sldId id="293" r:id="rId8"/>
     <p:sldId id="302" r:id="rId9"/>
-    <p:sldId id="308" r:id="rId10"/>
-    <p:sldId id="1888" r:id="rId11"/>
-    <p:sldId id="1883" r:id="rId12"/>
-    <p:sldId id="1885" r:id="rId13"/>
-    <p:sldId id="1908" r:id="rId14"/>
-    <p:sldId id="1895" r:id="rId15"/>
-    <p:sldId id="1898" r:id="rId16"/>
-    <p:sldId id="1890" r:id="rId17"/>
-    <p:sldId id="1900" r:id="rId18"/>
-    <p:sldId id="1891" r:id="rId19"/>
-    <p:sldId id="1894" r:id="rId20"/>
-    <p:sldId id="1909" r:id="rId21"/>
-    <p:sldId id="1910" r:id="rId22"/>
-    <p:sldId id="256" r:id="rId23"/>
+    <p:sldId id="1912" r:id="rId10"/>
+    <p:sldId id="308" r:id="rId11"/>
+    <p:sldId id="1888" r:id="rId12"/>
+    <p:sldId id="1883" r:id="rId13"/>
+    <p:sldId id="1911" r:id="rId14"/>
+    <p:sldId id="1885" r:id="rId15"/>
+    <p:sldId id="1908" r:id="rId16"/>
+    <p:sldId id="1895" r:id="rId17"/>
+    <p:sldId id="1898" r:id="rId18"/>
+    <p:sldId id="1890" r:id="rId19"/>
+    <p:sldId id="1900" r:id="rId20"/>
+    <p:sldId id="1891" r:id="rId21"/>
+    <p:sldId id="1894" r:id="rId22"/>
+    <p:sldId id="1909" r:id="rId23"/>
+    <p:sldId id="1910" r:id="rId24"/>
+    <p:sldId id="1913" r:id="rId25"/>
+    <p:sldId id="1914" r:id="rId26"/>
+    <p:sldId id="256" r:id="rId27"/>
   </p:sldIdLst>
   <p:sldSz cx="12192000" cy="6858000"/>
   <p:notesSz cx="6858000" cy="9144000"/>
@@ -253,7 +257,7 @@
           </a:lstStyle>
           <a:p>
             <a:fld id="{4C465657-3F36-724B-A332-D448C4527D30}" type="datetimeFigureOut">
-              <a:t>8/10/2024</a:t>
+              <a:t>8/12/2024</a:t>
             </a:fld>
             <a:endParaRPr lang="en-US"/>
           </a:p>
@@ -429,7 +433,7 @@
           <a:p>
             <a:fld id="{5E8E06ED-7D50-4BC0-A67C-04A5B8A7C6FE}" type="datetimeFigureOut">
               <a:rPr lang="en-US" smtClean="0"/>
-              <a:t>8/10/2024</a:t>
+              <a:t>8/12/2024</a:t>
             </a:fld>
             <a:endParaRPr lang="en-US"/>
           </a:p>
@@ -896,7 +900,7 @@
           <a:p>
             <a:fld id="{D44C3489-8257-4E60-994D-6A5CEE67ED71}" type="datetime8">
               <a:rPr lang="en-US" smtClean="0"/>
-              <a:t>8/10/2024 11:44 PM</a:t>
+              <a:t>8/12/2024 12:00 PM</a:t>
             </a:fld>
             <a:endParaRPr lang="en-US" dirty="0"/>
           </a:p>
@@ -962,7 +966,7 @@
     </p:spTree>
     <p:extLst>
       <p:ext uri="{BB962C8B-B14F-4D97-AF65-F5344CB8AC3E}">
-        <p14:creationId xmlns:p14="http://schemas.microsoft.com/office/powerpoint/2010/main" val="130046276"/>
+        <p14:creationId xmlns:p14="http://schemas.microsoft.com/office/powerpoint/2010/main" val="1517149110"/>
       </p:ext>
     </p:extLst>
   </p:cSld>
@@ -1018,37 +1022,19 @@
           <a:p>
             <a:r>
               <a:rPr lang="en-US" dirty="0"/>
-              <a:t>And it will move our file to the staging area or the staging index which is the intermediate place that we have talked about.</a:t>
-            </a:r>
-          </a:p>
-          <a:p>
-            <a:r>
-              <a:rPr lang="en-US" dirty="0"/>
-              <a:t>In order to do the next step which is moving the file to the local repository you have to use a command called git commit which makes our changes saved in the git history.</a:t>
-            </a:r>
-          </a:p>
-          <a:p>
-            <a:r>
-              <a:rPr lang="en-US" dirty="0"/>
-              <a:t>So, to make our changes there we use git commit and we give it a message.</a:t>
-            </a:r>
-          </a:p>
-          <a:p>
-            <a:r>
-              <a:rPr lang="en-US" dirty="0"/>
-              <a:t>For Example, “Message” any message you want but this message is really important, and we are going to get back to that in another slide but for now there is a command called git commit and we give it a dash m small to specify a specific message, and then a double quotation inside it our message.</a:t>
-            </a:r>
-          </a:p>
-        </p:txBody>
-      </p:sp>
-      <p:sp>
-        <p:nvSpPr>
-          <p:cNvPr id="6" name="Slide Number Placeholder 5"/>
+              <a:t>All of these terminologies are actually used while working with git, but you don’t need to learn about all of them at the beginning but If you prefer learning everything before starting the practical part this git cheat sheet is perfect for you.</a:t>
+            </a:r>
+          </a:p>
+        </p:txBody>
+      </p:sp>
+      <p:sp>
+        <p:nvSpPr>
+          <p:cNvPr id="4" name="Slide Number Placeholder 3"/>
           <p:cNvSpPr>
             <a:spLocks noGrp="1"/>
           </p:cNvSpPr>
           <p:nvPr>
-            <p:ph type="sldNum" sz="quarter" idx="12"/>
+            <p:ph type="sldNum" sz="quarter" idx="5"/>
           </p:nvPr>
         </p:nvSpPr>
         <p:spPr/>
@@ -1056,99 +1042,18 @@
           <a:bodyPr/>
           <a:lstStyle/>
           <a:p>
-            <a:fld id="{B4008EB6-D09E-4580-8CD6-DDB14511944F}" type="slidenum">
+            <a:fld id="{59D8E94C-5589-4D72-8241-BC981646923E}" type="slidenum">
               <a:rPr lang="en-US" smtClean="0"/>
-              <a:pPr/>
               <a:t>12</a:t>
             </a:fld>
-            <a:endParaRPr lang="en-US" dirty="0"/>
-          </a:p>
-        </p:txBody>
-      </p:sp>
-      <p:sp>
-        <p:nvSpPr>
-          <p:cNvPr id="10" name="Date Placeholder 9"/>
-          <p:cNvSpPr>
-            <a:spLocks noGrp="1"/>
-          </p:cNvSpPr>
-          <p:nvPr>
-            <p:ph type="dt" idx="13"/>
-          </p:nvPr>
-        </p:nvSpPr>
-        <p:spPr/>
-        <p:txBody>
-          <a:bodyPr/>
-          <a:lstStyle/>
-          <a:p>
-            <a:fld id="{D44C3489-8257-4E60-994D-6A5CEE67ED71}" type="datetime8">
-              <a:rPr lang="en-US" smtClean="0"/>
-              <a:t>8/10/2024 11:44 PM</a:t>
-            </a:fld>
-            <a:endParaRPr lang="en-US" dirty="0"/>
-          </a:p>
-        </p:txBody>
-      </p:sp>
-      <p:sp>
-        <p:nvSpPr>
-          <p:cNvPr id="4" name="Footer Placeholder 3"/>
-          <p:cNvSpPr>
-            <a:spLocks noGrp="1"/>
-          </p:cNvSpPr>
-          <p:nvPr>
-            <p:ph type="ftr" sz="quarter" idx="14"/>
-          </p:nvPr>
-        </p:nvSpPr>
-        <p:spPr/>
-        <p:txBody>
-          <a:bodyPr/>
-          <a:lstStyle/>
-          <a:p>
-            <a:pPr defTabSz="914099" eaLnBrk="0" hangingPunct="0"/>
-            <a:r>
-              <a:rPr lang="en-US" sz="400" dirty="0">
-                <a:gradFill>
-                  <a:gsLst>
-                    <a:gs pos="0">
-                      <a:prstClr val="black"/>
-                    </a:gs>
-                    <a:gs pos="100000">
-                      <a:prstClr val="black"/>
-                    </a:gs>
-                  </a:gsLst>
-                  <a:lin ang="5400000" scaled="0"/>
-                </a:gradFill>
-                <a:latin typeface="Segoe UI" pitchFamily="34" charset="0"/>
-                <a:ea typeface="Segoe UI" pitchFamily="34" charset="0"/>
-                <a:cs typeface="Segoe UI" pitchFamily="34" charset="0"/>
-              </a:rPr>
-              <a:t>© Microsoft Corporation. All rights reserved. MICROSOFT MAKES NO WARRANTIES, EXPRESS, IMPLIED OR STATUTORY, AS TO THE INFORMATION IN THIS PRESENTATION.</a:t>
-            </a:r>
-          </a:p>
-        </p:txBody>
-      </p:sp>
-      <p:sp>
-        <p:nvSpPr>
-          <p:cNvPr id="5" name="Header Placeholder 4"/>
-          <p:cNvSpPr>
-            <a:spLocks noGrp="1"/>
-          </p:cNvSpPr>
-          <p:nvPr>
-            <p:ph type="hdr" sz="quarter" idx="15"/>
-          </p:nvPr>
-        </p:nvSpPr>
-        <p:spPr/>
-        <p:txBody>
-          <a:bodyPr/>
-          <a:lstStyle/>
-          <a:p>
-            <a:endParaRPr lang="en-US" dirty="0"/>
+            <a:endParaRPr lang="en-US"/>
           </a:p>
         </p:txBody>
       </p:sp>
     </p:spTree>
     <p:extLst>
       <p:ext uri="{BB962C8B-B14F-4D97-AF65-F5344CB8AC3E}">
-        <p14:creationId xmlns:p14="http://schemas.microsoft.com/office/powerpoint/2010/main" val="1619054649"/>
+        <p14:creationId xmlns:p14="http://schemas.microsoft.com/office/powerpoint/2010/main" val="544650207"/>
       </p:ext>
     </p:extLst>
   </p:cSld>
@@ -1247,7 +1152,7 @@
           <a:p>
             <a:fld id="{D44C3489-8257-4E60-994D-6A5CEE67ED71}" type="datetime8">
               <a:rPr lang="en-US" smtClean="0"/>
-              <a:t>8/10/2024 11:44 PM</a:t>
+              <a:t>8/12/2024 12:00 PM</a:t>
             </a:fld>
             <a:endParaRPr lang="en-US" dirty="0"/>
           </a:p>
@@ -1313,7 +1218,7 @@
     </p:spTree>
     <p:extLst>
       <p:ext uri="{BB962C8B-B14F-4D97-AF65-F5344CB8AC3E}">
-        <p14:creationId xmlns:p14="http://schemas.microsoft.com/office/powerpoint/2010/main" val="4282024216"/>
+        <p14:creationId xmlns:p14="http://schemas.microsoft.com/office/powerpoint/2010/main" val="130046276"/>
       </p:ext>
     </p:extLst>
   </p:cSld>
@@ -1367,7 +1272,28 @@
           <a:bodyPr/>
           <a:lstStyle/>
           <a:p>
-            <a:endParaRPr lang="en-US" dirty="0"/>
+            <a:r>
+              <a:rPr lang="en-US" dirty="0"/>
+              <a:t>And it will move our file to the staging area or the staging index which is the intermediate place that we have talked about.</a:t>
+            </a:r>
+          </a:p>
+          <a:p>
+            <a:r>
+              <a:rPr lang="en-US" dirty="0"/>
+              <a:t>In order to do the next step which is moving the file to the local repository you have to use a command called git commit which makes our changes saved in the git history.</a:t>
+            </a:r>
+          </a:p>
+          <a:p>
+            <a:r>
+              <a:rPr lang="en-US" dirty="0"/>
+              <a:t>So, to make our changes there we use git commit and we give it a message.</a:t>
+            </a:r>
+          </a:p>
+          <a:p>
+            <a:r>
+              <a:rPr lang="en-US" dirty="0"/>
+              <a:t>For Example, “Message” any message you want but this message is really important, and we are going to get back to that in another slide but for now there is a command called git commit and we give it a dash m small to specify a specific message, and then a double quotation inside it our message.</a:t>
+            </a:r>
           </a:p>
         </p:txBody>
       </p:sp>
@@ -1412,7 +1338,7 @@
           <a:p>
             <a:fld id="{D44C3489-8257-4E60-994D-6A5CEE67ED71}" type="datetime8">
               <a:rPr lang="en-US" smtClean="0"/>
-              <a:t>8/10/2024 11:44 PM</a:t>
+              <a:t>8/12/2024 12:00 PM</a:t>
             </a:fld>
             <a:endParaRPr lang="en-US" dirty="0"/>
           </a:p>
@@ -1478,7 +1404,7 @@
     </p:spTree>
     <p:extLst>
       <p:ext uri="{BB962C8B-B14F-4D97-AF65-F5344CB8AC3E}">
-        <p14:creationId xmlns:p14="http://schemas.microsoft.com/office/powerpoint/2010/main" val="2377185402"/>
+        <p14:creationId xmlns:p14="http://schemas.microsoft.com/office/powerpoint/2010/main" val="1619054649"/>
       </p:ext>
     </p:extLst>
   </p:cSld>
@@ -1577,7 +1503,7 @@
           <a:p>
             <a:fld id="{D44C3489-8257-4E60-994D-6A5CEE67ED71}" type="datetime8">
               <a:rPr lang="en-US" smtClean="0"/>
-              <a:t>8/10/2024 11:44 PM</a:t>
+              <a:t>8/12/2024 12:00 PM</a:t>
             </a:fld>
             <a:endParaRPr lang="en-US" dirty="0"/>
           </a:p>
@@ -1643,7 +1569,7 @@
     </p:spTree>
     <p:extLst>
       <p:ext uri="{BB962C8B-B14F-4D97-AF65-F5344CB8AC3E}">
-        <p14:creationId xmlns:p14="http://schemas.microsoft.com/office/powerpoint/2010/main" val="945898321"/>
+        <p14:creationId xmlns:p14="http://schemas.microsoft.com/office/powerpoint/2010/main" val="4282024216"/>
       </p:ext>
     </p:extLst>
   </p:cSld>
@@ -1742,7 +1668,7 @@
           <a:p>
             <a:fld id="{D44C3489-8257-4E60-994D-6A5CEE67ED71}" type="datetime8">
               <a:rPr lang="en-US" smtClean="0"/>
-              <a:t>8/10/2024 11:44 PM</a:t>
+              <a:t>8/12/2024 12:00 PM</a:t>
             </a:fld>
             <a:endParaRPr lang="en-US" dirty="0"/>
           </a:p>
@@ -1808,7 +1734,7 @@
     </p:spTree>
     <p:extLst>
       <p:ext uri="{BB962C8B-B14F-4D97-AF65-F5344CB8AC3E}">
-        <p14:creationId xmlns:p14="http://schemas.microsoft.com/office/powerpoint/2010/main" val="435218024"/>
+        <p14:creationId xmlns:p14="http://schemas.microsoft.com/office/powerpoint/2010/main" val="2377185402"/>
       </p:ext>
     </p:extLst>
   </p:cSld>
@@ -1862,21 +1788,18 @@
           <a:bodyPr/>
           <a:lstStyle/>
           <a:p>
-            <a:r>
-              <a:rPr lang="en-US" dirty="0"/>
-              <a:t>All of these terminologies are actually used while working with git, but you don’t need to learn about all of them at the beginning but If you prefer learning everything before starting the practical part this git cheat sheet is perfect for you.</a:t>
-            </a:r>
-          </a:p>
-        </p:txBody>
-      </p:sp>
-      <p:sp>
-        <p:nvSpPr>
-          <p:cNvPr id="4" name="Slide Number Placeholder 3"/>
+            <a:endParaRPr lang="en-US" dirty="0"/>
+          </a:p>
+        </p:txBody>
+      </p:sp>
+      <p:sp>
+        <p:nvSpPr>
+          <p:cNvPr id="6" name="Slide Number Placeholder 5"/>
           <p:cNvSpPr>
             <a:spLocks noGrp="1"/>
           </p:cNvSpPr>
           <p:nvPr>
-            <p:ph type="sldNum" sz="quarter" idx="5"/>
+            <p:ph type="sldNum" sz="quarter" idx="12"/>
           </p:nvPr>
         </p:nvSpPr>
         <p:spPr/>
@@ -1884,18 +1807,99 @@
           <a:bodyPr/>
           <a:lstStyle/>
           <a:p>
-            <a:fld id="{59D8E94C-5589-4D72-8241-BC981646923E}" type="slidenum">
+            <a:fld id="{B4008EB6-D09E-4580-8CD6-DDB14511944F}" type="slidenum">
               <a:rPr lang="en-US" smtClean="0"/>
+              <a:pPr/>
               <a:t>17</a:t>
             </a:fld>
-            <a:endParaRPr lang="en-US"/>
+            <a:endParaRPr lang="en-US" dirty="0"/>
+          </a:p>
+        </p:txBody>
+      </p:sp>
+      <p:sp>
+        <p:nvSpPr>
+          <p:cNvPr id="10" name="Date Placeholder 9"/>
+          <p:cNvSpPr>
+            <a:spLocks noGrp="1"/>
+          </p:cNvSpPr>
+          <p:nvPr>
+            <p:ph type="dt" idx="13"/>
+          </p:nvPr>
+        </p:nvSpPr>
+        <p:spPr/>
+        <p:txBody>
+          <a:bodyPr/>
+          <a:lstStyle/>
+          <a:p>
+            <a:fld id="{D44C3489-8257-4E60-994D-6A5CEE67ED71}" type="datetime8">
+              <a:rPr lang="en-US" smtClean="0"/>
+              <a:t>8/12/2024 12:00 PM</a:t>
+            </a:fld>
+            <a:endParaRPr lang="en-US" dirty="0"/>
+          </a:p>
+        </p:txBody>
+      </p:sp>
+      <p:sp>
+        <p:nvSpPr>
+          <p:cNvPr id="4" name="Footer Placeholder 3"/>
+          <p:cNvSpPr>
+            <a:spLocks noGrp="1"/>
+          </p:cNvSpPr>
+          <p:nvPr>
+            <p:ph type="ftr" sz="quarter" idx="14"/>
+          </p:nvPr>
+        </p:nvSpPr>
+        <p:spPr/>
+        <p:txBody>
+          <a:bodyPr/>
+          <a:lstStyle/>
+          <a:p>
+            <a:pPr defTabSz="914099" eaLnBrk="0" hangingPunct="0"/>
+            <a:r>
+              <a:rPr lang="en-US" sz="400" dirty="0">
+                <a:gradFill>
+                  <a:gsLst>
+                    <a:gs pos="0">
+                      <a:prstClr val="black"/>
+                    </a:gs>
+                    <a:gs pos="100000">
+                      <a:prstClr val="black"/>
+                    </a:gs>
+                  </a:gsLst>
+                  <a:lin ang="5400000" scaled="0"/>
+                </a:gradFill>
+                <a:latin typeface="Segoe UI" pitchFamily="34" charset="0"/>
+                <a:ea typeface="Segoe UI" pitchFamily="34" charset="0"/>
+                <a:cs typeface="Segoe UI" pitchFamily="34" charset="0"/>
+              </a:rPr>
+              <a:t>© Microsoft Corporation. All rights reserved. MICROSOFT MAKES NO WARRANTIES, EXPRESS, IMPLIED OR STATUTORY, AS TO THE INFORMATION IN THIS PRESENTATION.</a:t>
+            </a:r>
+          </a:p>
+        </p:txBody>
+      </p:sp>
+      <p:sp>
+        <p:nvSpPr>
+          <p:cNvPr id="5" name="Header Placeholder 4"/>
+          <p:cNvSpPr>
+            <a:spLocks noGrp="1"/>
+          </p:cNvSpPr>
+          <p:nvPr>
+            <p:ph type="hdr" sz="quarter" idx="15"/>
+          </p:nvPr>
+        </p:nvSpPr>
+        <p:spPr/>
+        <p:txBody>
+          <a:bodyPr/>
+          <a:lstStyle/>
+          <a:p>
+            <a:endParaRPr lang="en-US" dirty="0"/>
           </a:p>
         </p:txBody>
       </p:sp>
     </p:spTree>
     <p:extLst>
       <p:ext uri="{BB962C8B-B14F-4D97-AF65-F5344CB8AC3E}">
-        <p14:creationId xmlns:p14="http://schemas.microsoft.com/office/powerpoint/2010/main" val="1751702728"/>
+        <p14:creationId xmlns:p14="http://schemas.microsoft.com/office/powerpoint/2010/main" val="945898321"/>
       </p:ext>
     </p:extLst>
   </p:cSld>
@@ -1949,28 +1953,7 @@
           <a:bodyPr/>
           <a:lstStyle/>
           <a:p>
-            <a:r>
-              <a:rPr lang="en-US" dirty="0"/>
-              <a:t>And it will move our file to the staging area or the staging index which is the intermediate place that we have talked about.</a:t>
-            </a:r>
-          </a:p>
-          <a:p>
-            <a:r>
-              <a:rPr lang="en-US" dirty="0"/>
-              <a:t>In order to do the next step which is moving the file to the local repository you have to use a command called git commit which makes our changes saved in the git history.</a:t>
-            </a:r>
-          </a:p>
-          <a:p>
-            <a:r>
-              <a:rPr lang="en-US" dirty="0"/>
-              <a:t>So, to make our changes there we use git commit and we give it a message.</a:t>
-            </a:r>
-          </a:p>
-          <a:p>
-            <a:r>
-              <a:rPr lang="en-US" dirty="0"/>
-              <a:t>For Example, “Message” any message you want but this message is really important, and we are going to get back to that in another slide but for now there is a command called git commit and we give it a dash m small to specify a specific message, and then a double quotation inside it our message.</a:t>
-            </a:r>
+            <a:endParaRPr lang="en-US" dirty="0"/>
           </a:p>
         </p:txBody>
       </p:sp>
@@ -2015,7 +1998,280 @@
           <a:p>
             <a:fld id="{D44C3489-8257-4E60-994D-6A5CEE67ED71}" type="datetime8">
               <a:rPr lang="en-US" smtClean="0"/>
-              <a:t>8/10/2024 11:44 PM</a:t>
+              <a:t>8/12/2024 12:00 PM</a:t>
+            </a:fld>
+            <a:endParaRPr lang="en-US" dirty="0"/>
+          </a:p>
+        </p:txBody>
+      </p:sp>
+      <p:sp>
+        <p:nvSpPr>
+          <p:cNvPr id="4" name="Footer Placeholder 3"/>
+          <p:cNvSpPr>
+            <a:spLocks noGrp="1"/>
+          </p:cNvSpPr>
+          <p:nvPr>
+            <p:ph type="ftr" sz="quarter" idx="14"/>
+          </p:nvPr>
+        </p:nvSpPr>
+        <p:spPr/>
+        <p:txBody>
+          <a:bodyPr/>
+          <a:lstStyle/>
+          <a:p>
+            <a:pPr defTabSz="914099" eaLnBrk="0" hangingPunct="0"/>
+            <a:r>
+              <a:rPr lang="en-US" sz="400" dirty="0">
+                <a:gradFill>
+                  <a:gsLst>
+                    <a:gs pos="0">
+                      <a:prstClr val="black"/>
+                    </a:gs>
+                    <a:gs pos="100000">
+                      <a:prstClr val="black"/>
+                    </a:gs>
+                  </a:gsLst>
+                  <a:lin ang="5400000" scaled="0"/>
+                </a:gradFill>
+                <a:latin typeface="Segoe UI" pitchFamily="34" charset="0"/>
+                <a:ea typeface="Segoe UI" pitchFamily="34" charset="0"/>
+                <a:cs typeface="Segoe UI" pitchFamily="34" charset="0"/>
+              </a:rPr>
+              <a:t>© Microsoft Corporation. All rights reserved. MICROSOFT MAKES NO WARRANTIES, EXPRESS, IMPLIED OR STATUTORY, AS TO THE INFORMATION IN THIS PRESENTATION.</a:t>
+            </a:r>
+          </a:p>
+        </p:txBody>
+      </p:sp>
+      <p:sp>
+        <p:nvSpPr>
+          <p:cNvPr id="5" name="Header Placeholder 4"/>
+          <p:cNvSpPr>
+            <a:spLocks noGrp="1"/>
+          </p:cNvSpPr>
+          <p:nvPr>
+            <p:ph type="hdr" sz="quarter" idx="15"/>
+          </p:nvPr>
+        </p:nvSpPr>
+        <p:spPr/>
+        <p:txBody>
+          <a:bodyPr/>
+          <a:lstStyle/>
+          <a:p>
+            <a:endParaRPr lang="en-US" dirty="0"/>
+          </a:p>
+        </p:txBody>
+      </p:sp>
+    </p:spTree>
+    <p:extLst>
+      <p:ext uri="{BB962C8B-B14F-4D97-AF65-F5344CB8AC3E}">
+        <p14:creationId xmlns:p14="http://schemas.microsoft.com/office/powerpoint/2010/main" val="435218024"/>
+      </p:ext>
+    </p:extLst>
+  </p:cSld>
+  <p:clrMapOvr>
+    <a:masterClrMapping/>
+  </p:clrMapOvr>
+</p:notes>
+</file>
+
+<file path=ppt/notesSlides/notesSlide18.xml><?xml version="1.0" encoding="utf-8"?>
+<p:notes xmlns:a="http://schemas.openxmlformats.org/drawingml/2006/main" xmlns:r="http://schemas.openxmlformats.org/officeDocument/2006/relationships" xmlns:p="http://schemas.openxmlformats.org/presentationml/2006/main">
+  <p:cSld>
+    <p:spTree>
+      <p:nvGrpSpPr>
+        <p:cNvPr id="1" name=""/>
+        <p:cNvGrpSpPr/>
+        <p:nvPr/>
+      </p:nvGrpSpPr>
+      <p:grpSpPr>
+        <a:xfrm>
+          <a:off x="0" y="0"/>
+          <a:ext cx="0" cy="0"/>
+          <a:chOff x="0" y="0"/>
+          <a:chExt cx="0" cy="0"/>
+        </a:xfrm>
+      </p:grpSpPr>
+      <p:sp>
+        <p:nvSpPr>
+          <p:cNvPr id="2" name="Slide Image Placeholder 1"/>
+          <p:cNvSpPr>
+            <a:spLocks noGrp="1" noRot="1" noChangeAspect="1"/>
+          </p:cNvSpPr>
+          <p:nvPr>
+            <p:ph type="sldImg"/>
+          </p:nvPr>
+        </p:nvSpPr>
+        <p:spPr/>
+      </p:sp>
+      <p:sp>
+        <p:nvSpPr>
+          <p:cNvPr id="3" name="Notes Placeholder 2"/>
+          <p:cNvSpPr>
+            <a:spLocks noGrp="1"/>
+          </p:cNvSpPr>
+          <p:nvPr>
+            <p:ph type="body" idx="1"/>
+          </p:nvPr>
+        </p:nvSpPr>
+        <p:spPr/>
+        <p:txBody>
+          <a:bodyPr/>
+          <a:lstStyle/>
+          <a:p>
+            <a:r>
+              <a:rPr lang="en-US" dirty="0"/>
+              <a:t>All of these terminologies are actually used while working with git, but you don’t need to learn about all of them at the beginning but If you prefer learning everything before starting the practical part this git cheat sheet is perfect for you.</a:t>
+            </a:r>
+          </a:p>
+        </p:txBody>
+      </p:sp>
+      <p:sp>
+        <p:nvSpPr>
+          <p:cNvPr id="4" name="Slide Number Placeholder 3"/>
+          <p:cNvSpPr>
+            <a:spLocks noGrp="1"/>
+          </p:cNvSpPr>
+          <p:nvPr>
+            <p:ph type="sldNum" sz="quarter" idx="5"/>
+          </p:nvPr>
+        </p:nvSpPr>
+        <p:spPr/>
+        <p:txBody>
+          <a:bodyPr/>
+          <a:lstStyle/>
+          <a:p>
+            <a:fld id="{59D8E94C-5589-4D72-8241-BC981646923E}" type="slidenum">
+              <a:rPr lang="en-US" smtClean="0"/>
+              <a:t>19</a:t>
+            </a:fld>
+            <a:endParaRPr lang="en-US"/>
+          </a:p>
+        </p:txBody>
+      </p:sp>
+    </p:spTree>
+    <p:extLst>
+      <p:ext uri="{BB962C8B-B14F-4D97-AF65-F5344CB8AC3E}">
+        <p14:creationId xmlns:p14="http://schemas.microsoft.com/office/powerpoint/2010/main" val="1751702728"/>
+      </p:ext>
+    </p:extLst>
+  </p:cSld>
+  <p:clrMapOvr>
+    <a:masterClrMapping/>
+  </p:clrMapOvr>
+</p:notes>
+</file>
+
+<file path=ppt/notesSlides/notesSlide19.xml><?xml version="1.0" encoding="utf-8"?>
+<p:notes xmlns:a="http://schemas.openxmlformats.org/drawingml/2006/main" xmlns:r="http://schemas.openxmlformats.org/officeDocument/2006/relationships" xmlns:p="http://schemas.openxmlformats.org/presentationml/2006/main">
+  <p:cSld>
+    <p:spTree>
+      <p:nvGrpSpPr>
+        <p:cNvPr id="1" name=""/>
+        <p:cNvGrpSpPr/>
+        <p:nvPr/>
+      </p:nvGrpSpPr>
+      <p:grpSpPr>
+        <a:xfrm>
+          <a:off x="0" y="0"/>
+          <a:ext cx="0" cy="0"/>
+          <a:chOff x="0" y="0"/>
+          <a:chExt cx="0" cy="0"/>
+        </a:xfrm>
+      </p:grpSpPr>
+      <p:sp>
+        <p:nvSpPr>
+          <p:cNvPr id="2" name="Slide Image Placeholder 1"/>
+          <p:cNvSpPr>
+            <a:spLocks noGrp="1" noRot="1" noChangeAspect="1"/>
+          </p:cNvSpPr>
+          <p:nvPr>
+            <p:ph type="sldImg"/>
+          </p:nvPr>
+        </p:nvSpPr>
+        <p:spPr/>
+      </p:sp>
+      <p:sp>
+        <p:nvSpPr>
+          <p:cNvPr id="3" name="Notes Placeholder 2"/>
+          <p:cNvSpPr>
+            <a:spLocks noGrp="1"/>
+          </p:cNvSpPr>
+          <p:nvPr>
+            <p:ph type="body" idx="1"/>
+          </p:nvPr>
+        </p:nvSpPr>
+        <p:spPr/>
+        <p:txBody>
+          <a:bodyPr/>
+          <a:lstStyle/>
+          <a:p>
+            <a:r>
+              <a:rPr lang="en-US" dirty="0"/>
+              <a:t>And it will move our file to the staging area or the staging index which is the intermediate place that we have talked about.</a:t>
+            </a:r>
+          </a:p>
+          <a:p>
+            <a:r>
+              <a:rPr lang="en-US" dirty="0"/>
+              <a:t>In order to do the next step which is moving the file to the local repository you have to use a command called git commit which makes our changes saved in the git history.</a:t>
+            </a:r>
+          </a:p>
+          <a:p>
+            <a:r>
+              <a:rPr lang="en-US" dirty="0"/>
+              <a:t>So, to make our changes there we use git commit and we give it a message.</a:t>
+            </a:r>
+          </a:p>
+          <a:p>
+            <a:r>
+              <a:rPr lang="en-US" dirty="0"/>
+              <a:t>For Example, “Message” any message you want but this message is really important, and we are going to get back to that in another slide but for now there is a command called git commit and we give it a dash m small to specify a specific message, and then a double quotation inside it our message.</a:t>
+            </a:r>
+          </a:p>
+        </p:txBody>
+      </p:sp>
+      <p:sp>
+        <p:nvSpPr>
+          <p:cNvPr id="6" name="Slide Number Placeholder 5"/>
+          <p:cNvSpPr>
+            <a:spLocks noGrp="1"/>
+          </p:cNvSpPr>
+          <p:nvPr>
+            <p:ph type="sldNum" sz="quarter" idx="12"/>
+          </p:nvPr>
+        </p:nvSpPr>
+        <p:spPr/>
+        <p:txBody>
+          <a:bodyPr/>
+          <a:lstStyle/>
+          <a:p>
+            <a:fld id="{B4008EB6-D09E-4580-8CD6-DDB14511944F}" type="slidenum">
+              <a:rPr lang="en-US" smtClean="0"/>
+              <a:pPr/>
+              <a:t>20</a:t>
+            </a:fld>
+            <a:endParaRPr lang="en-US" dirty="0"/>
+          </a:p>
+        </p:txBody>
+      </p:sp>
+      <p:sp>
+        <p:nvSpPr>
+          <p:cNvPr id="10" name="Date Placeholder 9"/>
+          <p:cNvSpPr>
+            <a:spLocks noGrp="1"/>
+          </p:cNvSpPr>
+          <p:nvPr>
+            <p:ph type="dt" idx="13"/>
+          </p:nvPr>
+        </p:nvSpPr>
+        <p:spPr/>
+        <p:txBody>
+          <a:bodyPr/>
+          <a:lstStyle/>
+          <a:p>
+            <a:fld id="{D44C3489-8257-4E60-994D-6A5CEE67ED71}" type="datetime8">
+              <a:rPr lang="en-US" smtClean="0"/>
+              <a:t>8/12/2024 12:00 PM</a:t>
             </a:fld>
             <a:endParaRPr lang="en-US" dirty="0"/>
           </a:p>
@@ -2184,6 +2440,378 @@
 </p:notes>
 </file>
 
+<file path=ppt/notesSlides/notesSlide20.xml><?xml version="1.0" encoding="utf-8"?>
+<p:notes xmlns:a="http://schemas.openxmlformats.org/drawingml/2006/main" xmlns:r="http://schemas.openxmlformats.org/officeDocument/2006/relationships" xmlns:p="http://schemas.openxmlformats.org/presentationml/2006/main">
+  <p:cSld>
+    <p:spTree>
+      <p:nvGrpSpPr>
+        <p:cNvPr id="1" name=""/>
+        <p:cNvGrpSpPr/>
+        <p:nvPr/>
+      </p:nvGrpSpPr>
+      <p:grpSpPr>
+        <a:xfrm>
+          <a:off x="0" y="0"/>
+          <a:ext cx="0" cy="0"/>
+          <a:chOff x="0" y="0"/>
+          <a:chExt cx="0" cy="0"/>
+        </a:xfrm>
+      </p:grpSpPr>
+      <p:sp>
+        <p:nvSpPr>
+          <p:cNvPr id="2" name="Slide Image Placeholder 1"/>
+          <p:cNvSpPr>
+            <a:spLocks noGrp="1" noRot="1" noChangeAspect="1"/>
+          </p:cNvSpPr>
+          <p:nvPr>
+            <p:ph type="sldImg"/>
+          </p:nvPr>
+        </p:nvSpPr>
+        <p:spPr/>
+      </p:sp>
+      <p:sp>
+        <p:nvSpPr>
+          <p:cNvPr id="3" name="Notes Placeholder 2"/>
+          <p:cNvSpPr>
+            <a:spLocks noGrp="1"/>
+          </p:cNvSpPr>
+          <p:nvPr>
+            <p:ph type="body" idx="1"/>
+          </p:nvPr>
+        </p:nvSpPr>
+        <p:spPr/>
+        <p:txBody>
+          <a:bodyPr/>
+          <a:lstStyle/>
+          <a:p>
+            <a:r>
+              <a:rPr lang="en-US" dirty="0"/>
+              <a:t>And it will move our file to the staging area or the staging index which is the intermediate place that we have talked about.</a:t>
+            </a:r>
+          </a:p>
+          <a:p>
+            <a:r>
+              <a:rPr lang="en-US" dirty="0"/>
+              <a:t>In order to do the next step which is moving the file to the local repository you have to use a command called git commit which makes our changes saved in the git history.</a:t>
+            </a:r>
+          </a:p>
+          <a:p>
+            <a:r>
+              <a:rPr lang="en-US" dirty="0"/>
+              <a:t>So, to make our changes there we use git commit and we give it a message.</a:t>
+            </a:r>
+          </a:p>
+          <a:p>
+            <a:r>
+              <a:rPr lang="en-US" dirty="0"/>
+              <a:t>For Example, “Message” any message you want but this message is really important, and we are going to get back to that in another slide but for now there is a command called git commit and we give it a dash m small to specify a specific message, and then a double quotation inside it our message.</a:t>
+            </a:r>
+          </a:p>
+        </p:txBody>
+      </p:sp>
+      <p:sp>
+        <p:nvSpPr>
+          <p:cNvPr id="6" name="Slide Number Placeholder 5"/>
+          <p:cNvSpPr>
+            <a:spLocks noGrp="1"/>
+          </p:cNvSpPr>
+          <p:nvPr>
+            <p:ph type="sldNum" sz="quarter" idx="12"/>
+          </p:nvPr>
+        </p:nvSpPr>
+        <p:spPr/>
+        <p:txBody>
+          <a:bodyPr/>
+          <a:lstStyle/>
+          <a:p>
+            <a:fld id="{B4008EB6-D09E-4580-8CD6-DDB14511944F}" type="slidenum">
+              <a:rPr lang="en-US" smtClean="0"/>
+              <a:pPr/>
+              <a:t>21</a:t>
+            </a:fld>
+            <a:endParaRPr lang="en-US" dirty="0"/>
+          </a:p>
+        </p:txBody>
+      </p:sp>
+      <p:sp>
+        <p:nvSpPr>
+          <p:cNvPr id="10" name="Date Placeholder 9"/>
+          <p:cNvSpPr>
+            <a:spLocks noGrp="1"/>
+          </p:cNvSpPr>
+          <p:nvPr>
+            <p:ph type="dt" idx="13"/>
+          </p:nvPr>
+        </p:nvSpPr>
+        <p:spPr/>
+        <p:txBody>
+          <a:bodyPr/>
+          <a:lstStyle/>
+          <a:p>
+            <a:fld id="{D44C3489-8257-4E60-994D-6A5CEE67ED71}" type="datetime8">
+              <a:rPr lang="en-US" smtClean="0"/>
+              <a:t>8/12/2024 12:00 PM</a:t>
+            </a:fld>
+            <a:endParaRPr lang="en-US" dirty="0"/>
+          </a:p>
+        </p:txBody>
+      </p:sp>
+      <p:sp>
+        <p:nvSpPr>
+          <p:cNvPr id="4" name="Footer Placeholder 3"/>
+          <p:cNvSpPr>
+            <a:spLocks noGrp="1"/>
+          </p:cNvSpPr>
+          <p:nvPr>
+            <p:ph type="ftr" sz="quarter" idx="14"/>
+          </p:nvPr>
+        </p:nvSpPr>
+        <p:spPr/>
+        <p:txBody>
+          <a:bodyPr/>
+          <a:lstStyle/>
+          <a:p>
+            <a:pPr defTabSz="914099" eaLnBrk="0" hangingPunct="0"/>
+            <a:r>
+              <a:rPr lang="en-US" sz="400" dirty="0">
+                <a:gradFill>
+                  <a:gsLst>
+                    <a:gs pos="0">
+                      <a:prstClr val="black"/>
+                    </a:gs>
+                    <a:gs pos="100000">
+                      <a:prstClr val="black"/>
+                    </a:gs>
+                  </a:gsLst>
+                  <a:lin ang="5400000" scaled="0"/>
+                </a:gradFill>
+                <a:latin typeface="Segoe UI" pitchFamily="34" charset="0"/>
+                <a:ea typeface="Segoe UI" pitchFamily="34" charset="0"/>
+                <a:cs typeface="Segoe UI" pitchFamily="34" charset="0"/>
+              </a:rPr>
+              <a:t>© Microsoft Corporation. All rights reserved. MICROSOFT MAKES NO WARRANTIES, EXPRESS, IMPLIED OR STATUTORY, AS TO THE INFORMATION IN THIS PRESENTATION.</a:t>
+            </a:r>
+          </a:p>
+        </p:txBody>
+      </p:sp>
+      <p:sp>
+        <p:nvSpPr>
+          <p:cNvPr id="5" name="Header Placeholder 4"/>
+          <p:cNvSpPr>
+            <a:spLocks noGrp="1"/>
+          </p:cNvSpPr>
+          <p:nvPr>
+            <p:ph type="hdr" sz="quarter" idx="15"/>
+          </p:nvPr>
+        </p:nvSpPr>
+        <p:spPr/>
+        <p:txBody>
+          <a:bodyPr/>
+          <a:lstStyle/>
+          <a:p>
+            <a:endParaRPr lang="en-US" dirty="0"/>
+          </a:p>
+        </p:txBody>
+      </p:sp>
+    </p:spTree>
+    <p:extLst>
+      <p:ext uri="{BB962C8B-B14F-4D97-AF65-F5344CB8AC3E}">
+        <p14:creationId xmlns:p14="http://schemas.microsoft.com/office/powerpoint/2010/main" val="411081793"/>
+      </p:ext>
+    </p:extLst>
+  </p:cSld>
+  <p:clrMapOvr>
+    <a:masterClrMapping/>
+  </p:clrMapOvr>
+</p:notes>
+</file>
+
+<file path=ppt/notesSlides/notesSlide21.xml><?xml version="1.0" encoding="utf-8"?>
+<p:notes xmlns:a="http://schemas.openxmlformats.org/drawingml/2006/main" xmlns:r="http://schemas.openxmlformats.org/officeDocument/2006/relationships" xmlns:p="http://schemas.openxmlformats.org/presentationml/2006/main">
+  <p:cSld>
+    <p:spTree>
+      <p:nvGrpSpPr>
+        <p:cNvPr id="1" name=""/>
+        <p:cNvGrpSpPr/>
+        <p:nvPr/>
+      </p:nvGrpSpPr>
+      <p:grpSpPr>
+        <a:xfrm>
+          <a:off x="0" y="0"/>
+          <a:ext cx="0" cy="0"/>
+          <a:chOff x="0" y="0"/>
+          <a:chExt cx="0" cy="0"/>
+        </a:xfrm>
+      </p:grpSpPr>
+      <p:sp>
+        <p:nvSpPr>
+          <p:cNvPr id="2" name="Slide Image Placeholder 1"/>
+          <p:cNvSpPr>
+            <a:spLocks noGrp="1" noRot="1" noChangeAspect="1"/>
+          </p:cNvSpPr>
+          <p:nvPr>
+            <p:ph type="sldImg"/>
+          </p:nvPr>
+        </p:nvSpPr>
+        <p:spPr/>
+      </p:sp>
+      <p:sp>
+        <p:nvSpPr>
+          <p:cNvPr id="3" name="Notes Placeholder 2"/>
+          <p:cNvSpPr>
+            <a:spLocks noGrp="1"/>
+          </p:cNvSpPr>
+          <p:nvPr>
+            <p:ph type="body" idx="1"/>
+          </p:nvPr>
+        </p:nvSpPr>
+        <p:spPr/>
+        <p:txBody>
+          <a:bodyPr/>
+          <a:lstStyle/>
+          <a:p>
+            <a:r>
+              <a:rPr lang="en-US" dirty="0"/>
+              <a:t>And it will move our file to the staging area or the staging index which is the intermediate place that we have talked about.</a:t>
+            </a:r>
+          </a:p>
+          <a:p>
+            <a:r>
+              <a:rPr lang="en-US" dirty="0"/>
+              <a:t>In order to do the next step which is moving the file to the local repository you have to use a command called git commit which makes our changes saved in the git history.</a:t>
+            </a:r>
+          </a:p>
+          <a:p>
+            <a:r>
+              <a:rPr lang="en-US" dirty="0"/>
+              <a:t>So, to make our changes there we use git commit and we give it a message.</a:t>
+            </a:r>
+          </a:p>
+          <a:p>
+            <a:r>
+              <a:rPr lang="en-US" dirty="0"/>
+              <a:t>For Example, “Message” any message you want but this message is really important, and we are going to get back to that in another slide but for now there is a command called git commit and we give it a dash m small to specify a specific message, and then a double quotation inside it our message.</a:t>
+            </a:r>
+          </a:p>
+        </p:txBody>
+      </p:sp>
+      <p:sp>
+        <p:nvSpPr>
+          <p:cNvPr id="6" name="Slide Number Placeholder 5"/>
+          <p:cNvSpPr>
+            <a:spLocks noGrp="1"/>
+          </p:cNvSpPr>
+          <p:nvPr>
+            <p:ph type="sldNum" sz="quarter" idx="12"/>
+          </p:nvPr>
+        </p:nvSpPr>
+        <p:spPr/>
+        <p:txBody>
+          <a:bodyPr/>
+          <a:lstStyle/>
+          <a:p>
+            <a:fld id="{B4008EB6-D09E-4580-8CD6-DDB14511944F}" type="slidenum">
+              <a:rPr lang="en-US" smtClean="0"/>
+              <a:pPr/>
+              <a:t>22</a:t>
+            </a:fld>
+            <a:endParaRPr lang="en-US" dirty="0"/>
+          </a:p>
+        </p:txBody>
+      </p:sp>
+      <p:sp>
+        <p:nvSpPr>
+          <p:cNvPr id="10" name="Date Placeholder 9"/>
+          <p:cNvSpPr>
+            <a:spLocks noGrp="1"/>
+          </p:cNvSpPr>
+          <p:nvPr>
+            <p:ph type="dt" idx="13"/>
+          </p:nvPr>
+        </p:nvSpPr>
+        <p:spPr/>
+        <p:txBody>
+          <a:bodyPr/>
+          <a:lstStyle/>
+          <a:p>
+            <a:fld id="{D44C3489-8257-4E60-994D-6A5CEE67ED71}" type="datetime8">
+              <a:rPr lang="en-US" smtClean="0"/>
+              <a:t>8/12/2024 12:00 PM</a:t>
+            </a:fld>
+            <a:endParaRPr lang="en-US" dirty="0"/>
+          </a:p>
+        </p:txBody>
+      </p:sp>
+      <p:sp>
+        <p:nvSpPr>
+          <p:cNvPr id="4" name="Footer Placeholder 3"/>
+          <p:cNvSpPr>
+            <a:spLocks noGrp="1"/>
+          </p:cNvSpPr>
+          <p:nvPr>
+            <p:ph type="ftr" sz="quarter" idx="14"/>
+          </p:nvPr>
+        </p:nvSpPr>
+        <p:spPr/>
+        <p:txBody>
+          <a:bodyPr/>
+          <a:lstStyle/>
+          <a:p>
+            <a:pPr defTabSz="914099" eaLnBrk="0" hangingPunct="0"/>
+            <a:r>
+              <a:rPr lang="en-US" sz="400" dirty="0">
+                <a:gradFill>
+                  <a:gsLst>
+                    <a:gs pos="0">
+                      <a:prstClr val="black"/>
+                    </a:gs>
+                    <a:gs pos="100000">
+                      <a:prstClr val="black"/>
+                    </a:gs>
+                  </a:gsLst>
+                  <a:lin ang="5400000" scaled="0"/>
+                </a:gradFill>
+                <a:latin typeface="Segoe UI" pitchFamily="34" charset="0"/>
+                <a:ea typeface="Segoe UI" pitchFamily="34" charset="0"/>
+                <a:cs typeface="Segoe UI" pitchFamily="34" charset="0"/>
+              </a:rPr>
+              <a:t>© Microsoft Corporation. All rights reserved. MICROSOFT MAKES NO WARRANTIES, EXPRESS, IMPLIED OR STATUTORY, AS TO THE INFORMATION IN THIS PRESENTATION.</a:t>
+            </a:r>
+          </a:p>
+        </p:txBody>
+      </p:sp>
+      <p:sp>
+        <p:nvSpPr>
+          <p:cNvPr id="5" name="Header Placeholder 4"/>
+          <p:cNvSpPr>
+            <a:spLocks noGrp="1"/>
+          </p:cNvSpPr>
+          <p:nvPr>
+            <p:ph type="hdr" sz="quarter" idx="15"/>
+          </p:nvPr>
+        </p:nvSpPr>
+        <p:spPr/>
+        <p:txBody>
+          <a:bodyPr/>
+          <a:lstStyle/>
+          <a:p>
+            <a:endParaRPr lang="en-US" dirty="0"/>
+          </a:p>
+        </p:txBody>
+      </p:sp>
+    </p:spTree>
+    <p:extLst>
+      <p:ext uri="{BB962C8B-B14F-4D97-AF65-F5344CB8AC3E}">
+        <p14:creationId xmlns:p14="http://schemas.microsoft.com/office/powerpoint/2010/main" val="12508241"/>
+      </p:ext>
+    </p:extLst>
+  </p:cSld>
+  <p:clrMapOvr>
+    <a:masterClrMapping/>
+  </p:clrMapOvr>
+</p:notes>
+</file>
+
 <file path=ppt/notesSlides/notesSlide3.xml><?xml version="1.0" encoding="utf-8"?>
 <p:notes xmlns:a="http://schemas.openxmlformats.org/drawingml/2006/main" xmlns:r="http://schemas.openxmlformats.org/officeDocument/2006/relationships" xmlns:p="http://schemas.openxmlformats.org/presentationml/2006/main">
   <p:cSld>
@@ -2440,63 +3068,14 @@
           <a:p>
             <a:r>
               <a:rPr lang="en-US" dirty="0"/>
-              <a:t>The centralized and distributed version control systems is a concept that some tools are built on.</a:t>
+              <a:t>Centralized, only one device has everything (each device has his own piece of the centralized code)</a:t>
             </a:r>
           </a:p>
           <a:p>
             <a:r>
               <a:rPr lang="en-US" dirty="0"/>
-              <a:t>Git uses a distributed version control system.</a:t>
-            </a:r>
-          </a:p>
-          <a:p>
-            <a:pPr marL="0" marR="0" lvl="0" indent="0" algn="l" defTabSz="914400" rtl="0" eaLnBrk="1" fontAlgn="auto" latinLnBrk="0" hangingPunct="1">
-              <a:lnSpc>
-                <a:spcPct val="100000"/>
-              </a:lnSpc>
-              <a:spcBef>
-                <a:spcPts val="0"/>
-              </a:spcBef>
-              <a:spcAft>
-                <a:spcPts val="0"/>
-              </a:spcAft>
-              <a:buClrTx/>
-              <a:buSzTx/>
-              <a:buFontTx/>
-              <a:buNone/>
-              <a:tabLst/>
-              <a:defRPr/>
-            </a:pPr>
-            <a:r>
-              <a:rPr lang="en-US" dirty="0"/>
-              <a:t>Git uses a centralized version control system. </a:t>
-            </a:r>
-          </a:p>
-          <a:p>
-            <a:pPr marL="0" marR="0" lvl="0" indent="0" algn="l" defTabSz="914400" rtl="0" eaLnBrk="1" fontAlgn="auto" latinLnBrk="0" hangingPunct="1">
-              <a:lnSpc>
-                <a:spcPct val="100000"/>
-              </a:lnSpc>
-              <a:spcBef>
-                <a:spcPts val="0"/>
-              </a:spcBef>
-              <a:spcAft>
-                <a:spcPts val="0"/>
-              </a:spcAft>
-              <a:buClrTx/>
-              <a:buSzTx/>
-              <a:buFontTx/>
-              <a:buNone/>
-              <a:tabLst/>
-              <a:defRPr/>
-            </a:pPr>
-            <a:r>
-              <a:rPr lang="en-US" dirty="0"/>
-              <a:t>Git uses a distributed version control system. </a:t>
-            </a:r>
-          </a:p>
-          <a:p>
-            <a:endParaRPr lang="en-US" dirty="0"/>
+              <a:t>Distributed, each device has the same version of the code (all the devices are contributing to it at the same time)</a:t>
+            </a:r>
           </a:p>
         </p:txBody>
       </p:sp>
@@ -2526,7 +3105,7 @@
     </p:spTree>
     <p:extLst>
       <p:ext uri="{BB962C8B-B14F-4D97-AF65-F5344CB8AC3E}">
-        <p14:creationId xmlns:p14="http://schemas.microsoft.com/office/powerpoint/2010/main" val="2171522105"/>
+        <p14:creationId xmlns:p14="http://schemas.microsoft.com/office/powerpoint/2010/main" val="1651199957"/>
       </p:ext>
     </p:extLst>
   </p:cSld>
@@ -2580,18 +3159,76 @@
           <a:bodyPr/>
           <a:lstStyle/>
           <a:p>
+            <a:r>
+              <a:rPr lang="en-US" dirty="0"/>
+              <a:t>The centralized and distributed version control systems is a concept that some tools are built on.</a:t>
+            </a:r>
+          </a:p>
+          <a:p>
+            <a:r>
+              <a:rPr lang="en-US" dirty="0"/>
+              <a:t>Git uses a distributed version control system.</a:t>
+            </a:r>
+          </a:p>
+          <a:p>
+            <a:pPr marL="0" marR="0" lvl="0" indent="0" algn="l" defTabSz="914400" rtl="0" eaLnBrk="1" fontAlgn="auto" latinLnBrk="0" hangingPunct="1">
+              <a:lnSpc>
+                <a:spcPct val="100000"/>
+              </a:lnSpc>
+              <a:spcBef>
+                <a:spcPts val="0"/>
+              </a:spcBef>
+              <a:spcAft>
+                <a:spcPts val="0"/>
+              </a:spcAft>
+              <a:buClrTx/>
+              <a:buSzTx/>
+              <a:buFontTx/>
+              <a:buNone/>
+              <a:tabLst/>
+              <a:defRPr/>
+            </a:pPr>
+            <a:r>
+              <a:rPr lang="en-US" dirty="0"/>
+              <a:t>Git uses a centralized version control system. </a:t>
+            </a:r>
+          </a:p>
+          <a:p>
+            <a:pPr marL="0" marR="0" lvl="0" indent="0" algn="l" defTabSz="914400" rtl="0" eaLnBrk="1" fontAlgn="auto" latinLnBrk="0" hangingPunct="1">
+              <a:lnSpc>
+                <a:spcPct val="100000"/>
+              </a:lnSpc>
+              <a:spcBef>
+                <a:spcPts val="0"/>
+              </a:spcBef>
+              <a:spcAft>
+                <a:spcPts val="0"/>
+              </a:spcAft>
+              <a:buClrTx/>
+              <a:buSzTx/>
+              <a:buFontTx/>
+              <a:buNone/>
+              <a:tabLst/>
+              <a:defRPr/>
+            </a:pPr>
+            <a:r>
+              <a:rPr lang="en-US" dirty="0"/>
+              <a:t>Git uses a distributed version control system. </a:t>
+            </a:r>
+          </a:p>
+          <a:p>
             <a:endParaRPr lang="en-US" dirty="0"/>
           </a:p>
         </p:txBody>
       </p:sp>
       <p:sp>
         <p:nvSpPr>
-          <p:cNvPr id="6" name="Slide Number Placeholder 5"/>
+          <p:cNvPr id="4" name="Slide Number Placeholder 3"/>
           <p:cNvSpPr>
             <a:spLocks noGrp="1"/>
           </p:cNvSpPr>
           <p:nvPr>
-            <p:ph type="sldNum" sz="quarter" idx="12"/>
+            <p:ph type="sldNum" sz="quarter" idx="5"/>
           </p:nvPr>
         </p:nvSpPr>
         <p:spPr/>
@@ -2599,99 +3236,18 @@
           <a:bodyPr/>
           <a:lstStyle/>
           <a:p>
-            <a:fld id="{B4008EB6-D09E-4580-8CD6-DDB14511944F}" type="slidenum">
+            <a:fld id="{59D8E94C-5589-4D72-8241-BC981646923E}" type="slidenum">
               <a:rPr lang="en-US" smtClean="0"/>
-              <a:pPr/>
               <a:t>7</a:t>
             </a:fld>
-            <a:endParaRPr lang="en-US" dirty="0"/>
-          </a:p>
-        </p:txBody>
-      </p:sp>
-      <p:sp>
-        <p:nvSpPr>
-          <p:cNvPr id="10" name="Date Placeholder 9"/>
-          <p:cNvSpPr>
-            <a:spLocks noGrp="1"/>
-          </p:cNvSpPr>
-          <p:nvPr>
-            <p:ph type="dt" idx="13"/>
-          </p:nvPr>
-        </p:nvSpPr>
-        <p:spPr/>
-        <p:txBody>
-          <a:bodyPr/>
-          <a:lstStyle/>
-          <a:p>
-            <a:fld id="{D44C3489-8257-4E60-994D-6A5CEE67ED71}" type="datetime8">
-              <a:rPr lang="en-US" smtClean="0"/>
-              <a:t>8/10/2024 11:44 PM</a:t>
-            </a:fld>
-            <a:endParaRPr lang="en-US" dirty="0"/>
-          </a:p>
-        </p:txBody>
-      </p:sp>
-      <p:sp>
-        <p:nvSpPr>
-          <p:cNvPr id="4" name="Footer Placeholder 3"/>
-          <p:cNvSpPr>
-            <a:spLocks noGrp="1"/>
-          </p:cNvSpPr>
-          <p:nvPr>
-            <p:ph type="ftr" sz="quarter" idx="14"/>
-          </p:nvPr>
-        </p:nvSpPr>
-        <p:spPr/>
-        <p:txBody>
-          <a:bodyPr/>
-          <a:lstStyle/>
-          <a:p>
-            <a:pPr defTabSz="914099" eaLnBrk="0" hangingPunct="0"/>
-            <a:r>
-              <a:rPr lang="en-US" sz="400" dirty="0">
-                <a:gradFill>
-                  <a:gsLst>
-                    <a:gs pos="0">
-                      <a:prstClr val="black"/>
-                    </a:gs>
-                    <a:gs pos="100000">
-                      <a:prstClr val="black"/>
-                    </a:gs>
-                  </a:gsLst>
-                  <a:lin ang="5400000" scaled="0"/>
-                </a:gradFill>
-                <a:latin typeface="Segoe UI" pitchFamily="34" charset="0"/>
-                <a:ea typeface="Segoe UI" pitchFamily="34" charset="0"/>
-                <a:cs typeface="Segoe UI" pitchFamily="34" charset="0"/>
-              </a:rPr>
-              <a:t>© Microsoft Corporation. All rights reserved. MICROSOFT MAKES NO WARRANTIES, EXPRESS, IMPLIED OR STATUTORY, AS TO THE INFORMATION IN THIS PRESENTATION.</a:t>
-            </a:r>
-          </a:p>
-        </p:txBody>
-      </p:sp>
-      <p:sp>
-        <p:nvSpPr>
-          <p:cNvPr id="5" name="Header Placeholder 4"/>
-          <p:cNvSpPr>
-            <a:spLocks noGrp="1"/>
-          </p:cNvSpPr>
-          <p:nvPr>
-            <p:ph type="hdr" sz="quarter" idx="15"/>
-          </p:nvPr>
-        </p:nvSpPr>
-        <p:spPr/>
-        <p:txBody>
-          <a:bodyPr/>
-          <a:lstStyle/>
-          <a:p>
-            <a:endParaRPr lang="en-US" dirty="0"/>
+            <a:endParaRPr lang="en-US"/>
           </a:p>
         </p:txBody>
       </p:sp>
     </p:spTree>
     <p:extLst>
       <p:ext uri="{BB962C8B-B14F-4D97-AF65-F5344CB8AC3E}">
-        <p14:creationId xmlns:p14="http://schemas.microsoft.com/office/powerpoint/2010/main" val="2768876051"/>
+        <p14:creationId xmlns:p14="http://schemas.microsoft.com/office/powerpoint/2010/main" val="2171522105"/>
       </p:ext>
     </p:extLst>
   </p:cSld>
@@ -2745,21 +3301,18 @@
           <a:bodyPr/>
           <a:lstStyle/>
           <a:p>
-            <a:r>
-              <a:rPr lang="en-US" dirty="0"/>
-              <a:t>All of these terminologies are actually used while working with git, but you don’t need to learn about all of them at the beginning but If you prefer learning everything before starting the practical part this git cheat sheet is perfect for you.</a:t>
-            </a:r>
-          </a:p>
-        </p:txBody>
-      </p:sp>
-      <p:sp>
-        <p:nvSpPr>
-          <p:cNvPr id="4" name="Slide Number Placeholder 3"/>
+            <a:endParaRPr lang="en-US" dirty="0"/>
+          </a:p>
+        </p:txBody>
+      </p:sp>
+      <p:sp>
+        <p:nvSpPr>
+          <p:cNvPr id="6" name="Slide Number Placeholder 5"/>
           <p:cNvSpPr>
             <a:spLocks noGrp="1"/>
           </p:cNvSpPr>
           <p:nvPr>
-            <p:ph type="sldNum" sz="quarter" idx="5"/>
+            <p:ph type="sldNum" sz="quarter" idx="12"/>
           </p:nvPr>
         </p:nvSpPr>
         <p:spPr/>
@@ -2767,18 +3320,99 @@
           <a:bodyPr/>
           <a:lstStyle/>
           <a:p>
-            <a:fld id="{59D8E94C-5589-4D72-8241-BC981646923E}" type="slidenum">
+            <a:fld id="{B4008EB6-D09E-4580-8CD6-DDB14511944F}" type="slidenum">
               <a:rPr lang="en-US" smtClean="0"/>
+              <a:pPr/>
               <a:t>8</a:t>
             </a:fld>
-            <a:endParaRPr lang="en-US"/>
+            <a:endParaRPr lang="en-US" dirty="0"/>
+          </a:p>
+        </p:txBody>
+      </p:sp>
+      <p:sp>
+        <p:nvSpPr>
+          <p:cNvPr id="10" name="Date Placeholder 9"/>
+          <p:cNvSpPr>
+            <a:spLocks noGrp="1"/>
+          </p:cNvSpPr>
+          <p:nvPr>
+            <p:ph type="dt" idx="13"/>
+          </p:nvPr>
+        </p:nvSpPr>
+        <p:spPr/>
+        <p:txBody>
+          <a:bodyPr/>
+          <a:lstStyle/>
+          <a:p>
+            <a:fld id="{D44C3489-8257-4E60-994D-6A5CEE67ED71}" type="datetime8">
+              <a:rPr lang="en-US" smtClean="0"/>
+              <a:t>8/12/2024 12:00 PM</a:t>
+            </a:fld>
+            <a:endParaRPr lang="en-US" dirty="0"/>
+          </a:p>
+        </p:txBody>
+      </p:sp>
+      <p:sp>
+        <p:nvSpPr>
+          <p:cNvPr id="4" name="Footer Placeholder 3"/>
+          <p:cNvSpPr>
+            <a:spLocks noGrp="1"/>
+          </p:cNvSpPr>
+          <p:nvPr>
+            <p:ph type="ftr" sz="quarter" idx="14"/>
+          </p:nvPr>
+        </p:nvSpPr>
+        <p:spPr/>
+        <p:txBody>
+          <a:bodyPr/>
+          <a:lstStyle/>
+          <a:p>
+            <a:pPr defTabSz="914099" eaLnBrk="0" hangingPunct="0"/>
+            <a:r>
+              <a:rPr lang="en-US" sz="400" dirty="0">
+                <a:gradFill>
+                  <a:gsLst>
+                    <a:gs pos="0">
+                      <a:prstClr val="black"/>
+                    </a:gs>
+                    <a:gs pos="100000">
+                      <a:prstClr val="black"/>
+                    </a:gs>
+                  </a:gsLst>
+                  <a:lin ang="5400000" scaled="0"/>
+                </a:gradFill>
+                <a:latin typeface="Segoe UI" pitchFamily="34" charset="0"/>
+                <a:ea typeface="Segoe UI" pitchFamily="34" charset="0"/>
+                <a:cs typeface="Segoe UI" pitchFamily="34" charset="0"/>
+              </a:rPr>
+              <a:t>© Microsoft Corporation. All rights reserved. MICROSOFT MAKES NO WARRANTIES, EXPRESS, IMPLIED OR STATUTORY, AS TO THE INFORMATION IN THIS PRESENTATION.</a:t>
+            </a:r>
+          </a:p>
+        </p:txBody>
+      </p:sp>
+      <p:sp>
+        <p:nvSpPr>
+          <p:cNvPr id="5" name="Header Placeholder 4"/>
+          <p:cNvSpPr>
+            <a:spLocks noGrp="1"/>
+          </p:cNvSpPr>
+          <p:nvPr>
+            <p:ph type="hdr" sz="quarter" idx="15"/>
+          </p:nvPr>
+        </p:nvSpPr>
+        <p:spPr/>
+        <p:txBody>
+          <a:bodyPr/>
+          <a:lstStyle/>
+          <a:p>
+            <a:endParaRPr lang="en-US" dirty="0"/>
           </a:p>
         </p:txBody>
       </p:sp>
     </p:spTree>
     <p:extLst>
       <p:ext uri="{BB962C8B-B14F-4D97-AF65-F5344CB8AC3E}">
-        <p14:creationId xmlns:p14="http://schemas.microsoft.com/office/powerpoint/2010/main" val="2095352092"/>
+        <p14:creationId xmlns:p14="http://schemas.microsoft.com/office/powerpoint/2010/main" val="2768876051"/>
       </p:ext>
     </p:extLst>
   </p:cSld>
@@ -2832,18 +3466,21 @@
           <a:bodyPr/>
           <a:lstStyle/>
           <a:p>
-            <a:endParaRPr lang="en-US" dirty="0"/>
-          </a:p>
-        </p:txBody>
-      </p:sp>
-      <p:sp>
-        <p:nvSpPr>
-          <p:cNvPr id="6" name="Slide Number Placeholder 5"/>
+            <a:r>
+              <a:rPr lang="en-US" dirty="0"/>
+              <a:t>All of these terminologies are actually used while working with git, but you don’t need to learn about all of them at the beginning but If you prefer learning everything before starting the practical part this git cheat sheet is perfect for you.</a:t>
+            </a:r>
+          </a:p>
+        </p:txBody>
+      </p:sp>
+      <p:sp>
+        <p:nvSpPr>
+          <p:cNvPr id="4" name="Slide Number Placeholder 3"/>
           <p:cNvSpPr>
             <a:spLocks noGrp="1"/>
           </p:cNvSpPr>
           <p:nvPr>
-            <p:ph type="sldNum" sz="quarter" idx="12"/>
+            <p:ph type="sldNum" sz="quarter" idx="5"/>
           </p:nvPr>
         </p:nvSpPr>
         <p:spPr/>
@@ -2851,99 +3488,18 @@
           <a:bodyPr/>
           <a:lstStyle/>
           <a:p>
-            <a:fld id="{B4008EB6-D09E-4580-8CD6-DDB14511944F}" type="slidenum">
+            <a:fld id="{59D8E94C-5589-4D72-8241-BC981646923E}" type="slidenum">
               <a:rPr lang="en-US" smtClean="0"/>
-              <a:pPr/>
               <a:t>9</a:t>
             </a:fld>
-            <a:endParaRPr lang="en-US" dirty="0"/>
-          </a:p>
-        </p:txBody>
-      </p:sp>
-      <p:sp>
-        <p:nvSpPr>
-          <p:cNvPr id="10" name="Date Placeholder 9"/>
-          <p:cNvSpPr>
-            <a:spLocks noGrp="1"/>
-          </p:cNvSpPr>
-          <p:nvPr>
-            <p:ph type="dt" idx="13"/>
-          </p:nvPr>
-        </p:nvSpPr>
-        <p:spPr/>
-        <p:txBody>
-          <a:bodyPr/>
-          <a:lstStyle/>
-          <a:p>
-            <a:fld id="{D44C3489-8257-4E60-994D-6A5CEE67ED71}" type="datetime8">
-              <a:rPr lang="en-US" smtClean="0"/>
-              <a:t>8/10/2024 11:44 PM</a:t>
-            </a:fld>
-            <a:endParaRPr lang="en-US" dirty="0"/>
-          </a:p>
-        </p:txBody>
-      </p:sp>
-      <p:sp>
-        <p:nvSpPr>
-          <p:cNvPr id="4" name="Footer Placeholder 3"/>
-          <p:cNvSpPr>
-            <a:spLocks noGrp="1"/>
-          </p:cNvSpPr>
-          <p:nvPr>
-            <p:ph type="ftr" sz="quarter" idx="14"/>
-          </p:nvPr>
-        </p:nvSpPr>
-        <p:spPr/>
-        <p:txBody>
-          <a:bodyPr/>
-          <a:lstStyle/>
-          <a:p>
-            <a:pPr defTabSz="914099" eaLnBrk="0" hangingPunct="0"/>
-            <a:r>
-              <a:rPr lang="en-US" sz="400" dirty="0">
-                <a:gradFill>
-                  <a:gsLst>
-                    <a:gs pos="0">
-                      <a:prstClr val="black"/>
-                    </a:gs>
-                    <a:gs pos="100000">
-                      <a:prstClr val="black"/>
-                    </a:gs>
-                  </a:gsLst>
-                  <a:lin ang="5400000" scaled="0"/>
-                </a:gradFill>
-                <a:latin typeface="Segoe UI" pitchFamily="34" charset="0"/>
-                <a:ea typeface="Segoe UI" pitchFamily="34" charset="0"/>
-                <a:cs typeface="Segoe UI" pitchFamily="34" charset="0"/>
-              </a:rPr>
-              <a:t>© Microsoft Corporation. All rights reserved. MICROSOFT MAKES NO WARRANTIES, EXPRESS, IMPLIED OR STATUTORY, AS TO THE INFORMATION IN THIS PRESENTATION.</a:t>
-            </a:r>
-          </a:p>
-        </p:txBody>
-      </p:sp>
-      <p:sp>
-        <p:nvSpPr>
-          <p:cNvPr id="5" name="Header Placeholder 4"/>
-          <p:cNvSpPr>
-            <a:spLocks noGrp="1"/>
-          </p:cNvSpPr>
-          <p:nvPr>
-            <p:ph type="hdr" sz="quarter" idx="15"/>
-          </p:nvPr>
-        </p:nvSpPr>
-        <p:spPr/>
-        <p:txBody>
-          <a:bodyPr/>
-          <a:lstStyle/>
-          <a:p>
-            <a:endParaRPr lang="en-US" dirty="0"/>
+            <a:endParaRPr lang="en-US"/>
           </a:p>
         </p:txBody>
       </p:sp>
     </p:spTree>
     <p:extLst>
       <p:ext uri="{BB962C8B-B14F-4D97-AF65-F5344CB8AC3E}">
-        <p14:creationId xmlns:p14="http://schemas.microsoft.com/office/powerpoint/2010/main" val="1517149110"/>
+        <p14:creationId xmlns:p14="http://schemas.microsoft.com/office/powerpoint/2010/main" val="2095352092"/>
       </p:ext>
     </p:extLst>
   </p:cSld>
@@ -3030,7 +3586,7 @@
     </p:spTree>
     <p:extLst>
       <p:ext uri="{BB962C8B-B14F-4D97-AF65-F5344CB8AC3E}">
-        <p14:creationId xmlns:p14="http://schemas.microsoft.com/office/powerpoint/2010/main" val="544650207"/>
+        <p14:creationId xmlns:p14="http://schemas.microsoft.com/office/powerpoint/2010/main" val="2156216148"/>
       </p:ext>
     </p:extLst>
   </p:cSld>
@@ -3240,7 +3796,7 @@
             <a:fld id="{1D8BD707-D9CF-40AE-B4C6-C98DA3205C09}" type="datetimeFigureOut">
               <a:rPr lang="en-US" smtClean="0"/>
               <a:pPr/>
-              <a:t>8/10/2024</a:t>
+              <a:t>8/12/2024</a:t>
             </a:fld>
             <a:endParaRPr lang="en-US"/>
           </a:p>
@@ -5370,6 +5926,504 @@
 <file path=ppt/slides/slide10.xml><?xml version="1.0" encoding="utf-8"?>
 <p:sld xmlns:a="http://schemas.openxmlformats.org/drawingml/2006/main" xmlns:r="http://schemas.openxmlformats.org/officeDocument/2006/relationships" xmlns:p="http://schemas.openxmlformats.org/presentationml/2006/main">
   <p:cSld>
+    <p:bg>
+      <p:bgPr>
+        <a:solidFill>
+          <a:schemeClr val="tx1"/>
+        </a:solidFill>
+        <a:effectLst/>
+      </p:bgPr>
+    </p:bg>
+    <p:spTree>
+      <p:nvGrpSpPr>
+        <p:cNvPr id="1" name=""/>
+        <p:cNvGrpSpPr/>
+        <p:nvPr/>
+      </p:nvGrpSpPr>
+      <p:grpSpPr>
+        <a:xfrm>
+          <a:off x="0" y="0"/>
+          <a:ext cx="0" cy="0"/>
+          <a:chOff x="0" y="0"/>
+          <a:chExt cx="0" cy="0"/>
+        </a:xfrm>
+      </p:grpSpPr>
+      <p:sp>
+        <p:nvSpPr>
+          <p:cNvPr id="3" name="Rectangle 2">
+            <a:extLst>
+              <a:ext uri="{FF2B5EF4-FFF2-40B4-BE49-F238E27FC236}">
+                <a16:creationId xmlns:a16="http://schemas.microsoft.com/office/drawing/2014/main" id="{B2B17CB3-8157-4718-3EF8-C058C5B3B58C}"/>
+              </a:ext>
+            </a:extLst>
+          </p:cNvPr>
+          <p:cNvSpPr/>
+          <p:nvPr/>
+        </p:nvSpPr>
+        <p:spPr>
+          <a:xfrm>
+            <a:off x="-176981" y="-108155"/>
+            <a:ext cx="12516465" cy="7069394"/>
+          </a:xfrm>
+          <a:prstGeom prst="rect">
+            <a:avLst/>
+          </a:prstGeom>
+          <a:solidFill>
+            <a:schemeClr val="bg1"/>
+          </a:solidFill>
+        </p:spPr>
+        <p:style>
+          <a:lnRef idx="2">
+            <a:schemeClr val="accent1">
+              <a:shade val="15000"/>
+            </a:schemeClr>
+          </a:lnRef>
+          <a:fillRef idx="1">
+            <a:schemeClr val="accent1"/>
+          </a:fillRef>
+          <a:effectRef idx="0">
+            <a:schemeClr val="accent1"/>
+          </a:effectRef>
+          <a:fontRef idx="minor">
+            <a:schemeClr val="lt1"/>
+          </a:fontRef>
+        </p:style>
+        <p:txBody>
+          <a:bodyPr rtlCol="0" anchor="ctr"/>
+          <a:lstStyle/>
+          <a:p>
+            <a:pPr algn="ctr"/>
+            <a:endParaRPr lang="en-GB"/>
+          </a:p>
+        </p:txBody>
+      </p:sp>
+      <p:sp>
+        <p:nvSpPr>
+          <p:cNvPr id="6" name="TextBox 5">
+            <a:extLst>
+              <a:ext uri="{FF2B5EF4-FFF2-40B4-BE49-F238E27FC236}">
+                <a16:creationId xmlns:a16="http://schemas.microsoft.com/office/drawing/2014/main" id="{BF8AC3AB-F788-C847-E5FA-90B1B3B50F75}"/>
+              </a:ext>
+            </a:extLst>
+          </p:cNvPr>
+          <p:cNvSpPr txBox="1"/>
+          <p:nvPr/>
+        </p:nvSpPr>
+        <p:spPr>
+          <a:xfrm>
+            <a:off x="1083805" y="3075057"/>
+            <a:ext cx="10024390" cy="707886"/>
+          </a:xfrm>
+          <a:prstGeom prst="rect">
+            <a:avLst/>
+          </a:prstGeom>
+          <a:noFill/>
+        </p:spPr>
+        <p:txBody>
+          <a:bodyPr wrap="square">
+            <a:spAutoFit/>
+          </a:bodyPr>
+          <a:lstStyle/>
+          <a:p>
+            <a:pPr algn="ctr"/>
+            <a:r>
+              <a:rPr lang="en-US" sz="4000" b="1" dirty="0">
+                <a:latin typeface="Poppins" panose="00000500000000000000" pitchFamily="2" charset="0"/>
+                <a:cs typeface="Poppins" panose="00000500000000000000" pitchFamily="2" charset="0"/>
+              </a:rPr>
+              <a:t>Create GitHub Account</a:t>
+            </a:r>
+            <a:endParaRPr lang="en-US" sz="4000" b="1" dirty="0"/>
+          </a:p>
+        </p:txBody>
+      </p:sp>
+      <p:sp>
+        <p:nvSpPr>
+          <p:cNvPr id="2" name="TextBox 23">
+            <a:hlinkClick r:id="rId3"/>
+            <a:extLst>
+              <a:ext uri="{FF2B5EF4-FFF2-40B4-BE49-F238E27FC236}">
+                <a16:creationId xmlns:a16="http://schemas.microsoft.com/office/drawing/2014/main" id="{434679EF-7A80-5526-00D0-C7C00ACFB3AB}"/>
+              </a:ext>
+            </a:extLst>
+          </p:cNvPr>
+          <p:cNvSpPr txBox="1"/>
+          <p:nvPr/>
+        </p:nvSpPr>
+        <p:spPr>
+          <a:xfrm>
+            <a:off x="10370152" y="6083711"/>
+            <a:ext cx="1821848" cy="557589"/>
+          </a:xfrm>
+          <a:prstGeom prst="rect">
+            <a:avLst/>
+          </a:prstGeom>
+        </p:spPr>
+        <p:txBody>
+          <a:bodyPr wrap="square" lIns="0" tIns="0" rIns="0" bIns="0" rtlCol="0" anchor="t">
+            <a:spAutoFit/>
+          </a:bodyPr>
+          <a:lstStyle/>
+          <a:p>
+            <a:pPr algn="ctr">
+              <a:lnSpc>
+                <a:spcPts val="5190"/>
+              </a:lnSpc>
+              <a:spcBef>
+                <a:spcPct val="0"/>
+              </a:spcBef>
+            </a:pPr>
+            <a:r>
+              <a:rPr lang="en-US" sz="1050" dirty="0">
+                <a:latin typeface="Poppins" panose="00000500000000000000" pitchFamily="2" charset="0"/>
+                <a:cs typeface="Poppins" panose="00000500000000000000" pitchFamily="2" charset="0"/>
+                <a:hlinkClick r:id="rId4">
+                  <a:extLst>
+                    <a:ext uri="{A12FA001-AC4F-418D-AE19-62706E023703}">
+                      <ahyp:hlinkClr xmlns:ahyp="http://schemas.microsoft.com/office/drawing/2018/hyperlinkcolor" val="tx"/>
+                    </a:ext>
+                  </a:extLst>
+                </a:hlinkClick>
+              </a:rPr>
+              <a:t>@mmsalmanfaris</a:t>
+            </a:r>
+            <a:endParaRPr lang="en-US" sz="1050" dirty="0">
+              <a:latin typeface="Poppins" panose="00000500000000000000" pitchFamily="2" charset="0"/>
+              <a:cs typeface="Poppins" panose="00000500000000000000" pitchFamily="2" charset="0"/>
+            </a:endParaRPr>
+          </a:p>
+        </p:txBody>
+      </p:sp>
+    </p:spTree>
+    <p:extLst>
+      <p:ext uri="{BB962C8B-B14F-4D97-AF65-F5344CB8AC3E}">
+        <p14:creationId xmlns:p14="http://schemas.microsoft.com/office/powerpoint/2010/main" val="1848182109"/>
+      </p:ext>
+    </p:extLst>
+  </p:cSld>
+  <p:clrMapOvr>
+    <a:masterClrMapping/>
+  </p:clrMapOvr>
+  <mc:AlternateContent xmlns:mc="http://schemas.openxmlformats.org/markup-compatibility/2006" xmlns:p14="http://schemas.microsoft.com/office/powerpoint/2010/main">
+    <mc:Choice Requires="p14">
+      <p:transition spd="med" p14:dur="700">
+        <p:fade/>
+      </p:transition>
+    </mc:Choice>
+    <mc:Fallback xmlns="">
+      <p:transition spd="med">
+        <p:fade/>
+      </p:transition>
+    </mc:Fallback>
+  </mc:AlternateContent>
+</p:sld>
+</file>
+
+<file path=ppt/slides/slide11.xml><?xml version="1.0" encoding="utf-8"?>
+<p:sld xmlns:a="http://schemas.openxmlformats.org/drawingml/2006/main" xmlns:r="http://schemas.openxmlformats.org/officeDocument/2006/relationships" xmlns:p="http://schemas.openxmlformats.org/presentationml/2006/main">
+  <p:cSld>
+    <p:spTree>
+      <p:nvGrpSpPr>
+        <p:cNvPr id="1" name=""/>
+        <p:cNvGrpSpPr/>
+        <p:nvPr/>
+      </p:nvGrpSpPr>
+      <p:grpSpPr>
+        <a:xfrm>
+          <a:off x="0" y="0"/>
+          <a:ext cx="0" cy="0"/>
+          <a:chOff x="0" y="0"/>
+          <a:chExt cx="0" cy="0"/>
+        </a:xfrm>
+      </p:grpSpPr>
+      <p:sp>
+        <p:nvSpPr>
+          <p:cNvPr id="2" name="Rectangle 1">
+            <a:extLst>
+              <a:ext uri="{FF2B5EF4-FFF2-40B4-BE49-F238E27FC236}">
+                <a16:creationId xmlns:a16="http://schemas.microsoft.com/office/drawing/2014/main" id="{8DEF97DD-46D4-384C-40CD-8369961EAB8A}"/>
+              </a:ext>
+            </a:extLst>
+          </p:cNvPr>
+          <p:cNvSpPr/>
+          <p:nvPr/>
+        </p:nvSpPr>
+        <p:spPr>
+          <a:xfrm>
+            <a:off x="0" y="0"/>
+            <a:ext cx="12192000" cy="1728216"/>
+          </a:xfrm>
+          <a:prstGeom prst="rect">
+            <a:avLst/>
+          </a:prstGeom>
+        </p:spPr>
+        <p:style>
+          <a:lnRef idx="2">
+            <a:schemeClr val="dk1">
+              <a:shade val="15000"/>
+            </a:schemeClr>
+          </a:lnRef>
+          <a:fillRef idx="1">
+            <a:schemeClr val="dk1"/>
+          </a:fillRef>
+          <a:effectRef idx="0">
+            <a:schemeClr val="dk1"/>
+          </a:effectRef>
+          <a:fontRef idx="minor">
+            <a:schemeClr val="lt1"/>
+          </a:fontRef>
+        </p:style>
+        <p:txBody>
+          <a:bodyPr rtlCol="0" anchor="ctr"/>
+          <a:lstStyle/>
+          <a:p>
+            <a:pPr algn="ctr"/>
+            <a:endParaRPr lang="en-US">
+              <a:latin typeface="Poppins" panose="00000500000000000000" pitchFamily="2" charset="0"/>
+              <a:cs typeface="Poppins" panose="00000500000000000000" pitchFamily="2" charset="0"/>
+            </a:endParaRPr>
+          </a:p>
+        </p:txBody>
+      </p:sp>
+      <p:sp>
+        <p:nvSpPr>
+          <p:cNvPr id="4" name="Title 3"/>
+          <p:cNvSpPr>
+            <a:spLocks noGrp="1"/>
+          </p:cNvSpPr>
+          <p:nvPr>
+            <p:ph type="title"/>
+          </p:nvPr>
+        </p:nvSpPr>
+        <p:spPr>
+          <a:xfrm>
+            <a:off x="914400" y="551521"/>
+            <a:ext cx="10058400" cy="1325563"/>
+          </a:xfrm>
+        </p:spPr>
+        <p:txBody>
+          <a:bodyPr/>
+          <a:lstStyle/>
+          <a:p>
+            <a:r>
+              <a:rPr lang="en-US" b="1" dirty="0">
+                <a:solidFill>
+                  <a:schemeClr val="bg1"/>
+                </a:solidFill>
+                <a:latin typeface="Poppins" panose="00000500000000000000" pitchFamily="2" charset="0"/>
+                <a:cs typeface="Poppins" panose="00000500000000000000" pitchFamily="2" charset="0"/>
+              </a:rPr>
+              <a:t>First-Time Git Configuration</a:t>
+            </a:r>
+          </a:p>
+        </p:txBody>
+      </p:sp>
+      <p:sp>
+        <p:nvSpPr>
+          <p:cNvPr id="5" name="Text Placeholder 4"/>
+          <p:cNvSpPr>
+            <a:spLocks noGrp="1"/>
+          </p:cNvSpPr>
+          <p:nvPr>
+            <p:ph type="body" sz="quarter" idx="10"/>
+          </p:nvPr>
+        </p:nvSpPr>
+        <p:spPr>
+          <a:xfrm>
+            <a:off x="914400" y="2001076"/>
+            <a:ext cx="11018520" cy="4235132"/>
+          </a:xfrm>
+        </p:spPr>
+        <p:txBody>
+          <a:bodyPr/>
+          <a:lstStyle/>
+          <a:p>
+            <a:r>
+              <a:rPr lang="en-US" dirty="0">
+                <a:latin typeface="Poppins" panose="00000500000000000000" pitchFamily="2" charset="0"/>
+                <a:cs typeface="Poppins" panose="00000500000000000000" pitchFamily="2" charset="0"/>
+              </a:rPr>
+              <a:t># sets up Git with your name</a:t>
+            </a:r>
+          </a:p>
+          <a:p>
+            <a:r>
+              <a:rPr lang="en-US" dirty="0">
+                <a:latin typeface="Poppins" panose="00000500000000000000" pitchFamily="2" charset="0"/>
+                <a:cs typeface="Poppins" panose="00000500000000000000" pitchFamily="2" charset="0"/>
+              </a:rPr>
+              <a:t>git config --global user.name "&lt;Your-Full-Name&gt;"</a:t>
+            </a:r>
+          </a:p>
+          <a:p>
+            <a:endParaRPr lang="en-US" dirty="0">
+              <a:latin typeface="Poppins" panose="00000500000000000000" pitchFamily="2" charset="0"/>
+              <a:cs typeface="Poppins" panose="00000500000000000000" pitchFamily="2" charset="0"/>
+            </a:endParaRPr>
+          </a:p>
+          <a:p>
+            <a:r>
+              <a:rPr lang="en-US" dirty="0">
+                <a:latin typeface="Poppins" panose="00000500000000000000" pitchFamily="2" charset="0"/>
+                <a:cs typeface="Poppins" panose="00000500000000000000" pitchFamily="2" charset="0"/>
+              </a:rPr>
+              <a:t># sets up Git with your email</a:t>
+            </a:r>
+          </a:p>
+          <a:p>
+            <a:r>
+              <a:rPr lang="en-US" dirty="0">
+                <a:latin typeface="Poppins" panose="00000500000000000000" pitchFamily="2" charset="0"/>
+                <a:cs typeface="Poppins" panose="00000500000000000000" pitchFamily="2" charset="0"/>
+              </a:rPr>
+              <a:t>git config --global </a:t>
+            </a:r>
+            <a:r>
+              <a:rPr lang="en-US" dirty="0" err="1">
+                <a:latin typeface="Poppins" panose="00000500000000000000" pitchFamily="2" charset="0"/>
+                <a:cs typeface="Poppins" panose="00000500000000000000" pitchFamily="2" charset="0"/>
+              </a:rPr>
+              <a:t>user.email</a:t>
+            </a:r>
+            <a:r>
+              <a:rPr lang="en-US" dirty="0">
+                <a:latin typeface="Poppins" panose="00000500000000000000" pitchFamily="2" charset="0"/>
+                <a:cs typeface="Poppins" panose="00000500000000000000" pitchFamily="2" charset="0"/>
+              </a:rPr>
+              <a:t> "&lt;your-email-address&gt;"</a:t>
+            </a:r>
+          </a:p>
+          <a:p>
+            <a:endParaRPr lang="en-US" dirty="0">
+              <a:latin typeface="Poppins" panose="00000500000000000000" pitchFamily="2" charset="0"/>
+              <a:cs typeface="Poppins" panose="00000500000000000000" pitchFamily="2" charset="0"/>
+            </a:endParaRPr>
+          </a:p>
+          <a:p>
+            <a:r>
+              <a:rPr lang="en-US" dirty="0">
+                <a:latin typeface="Poppins" panose="00000500000000000000" pitchFamily="2" charset="0"/>
+                <a:cs typeface="Poppins" panose="00000500000000000000" pitchFamily="2" charset="0"/>
+              </a:rPr>
+              <a:t># ensures that Git output is colored</a:t>
+            </a:r>
+          </a:p>
+          <a:p>
+            <a:r>
+              <a:rPr lang="en-US" dirty="0">
+                <a:latin typeface="Poppins" panose="00000500000000000000" pitchFamily="2" charset="0"/>
+                <a:cs typeface="Poppins" panose="00000500000000000000" pitchFamily="2" charset="0"/>
+              </a:rPr>
+              <a:t>git config --global </a:t>
+            </a:r>
+            <a:r>
+              <a:rPr lang="en-US" dirty="0" err="1">
+                <a:latin typeface="Poppins" panose="00000500000000000000" pitchFamily="2" charset="0"/>
+                <a:cs typeface="Poppins" panose="00000500000000000000" pitchFamily="2" charset="0"/>
+              </a:rPr>
+              <a:t>color.ui</a:t>
+            </a:r>
+            <a:r>
+              <a:rPr lang="en-US" dirty="0">
+                <a:latin typeface="Poppins" panose="00000500000000000000" pitchFamily="2" charset="0"/>
+                <a:cs typeface="Poppins" panose="00000500000000000000" pitchFamily="2" charset="0"/>
+              </a:rPr>
+              <a:t> auto</a:t>
+            </a:r>
+          </a:p>
+          <a:p>
+            <a:endParaRPr lang="en-US" dirty="0">
+              <a:latin typeface="Poppins" panose="00000500000000000000" pitchFamily="2" charset="0"/>
+              <a:cs typeface="Poppins" panose="00000500000000000000" pitchFamily="2" charset="0"/>
+            </a:endParaRPr>
+          </a:p>
+        </p:txBody>
+      </p:sp>
+      <p:sp>
+        <p:nvSpPr>
+          <p:cNvPr id="3" name="TextBox 23">
+            <a:hlinkClick r:id="rId3"/>
+            <a:extLst>
+              <a:ext uri="{FF2B5EF4-FFF2-40B4-BE49-F238E27FC236}">
+                <a16:creationId xmlns:a16="http://schemas.microsoft.com/office/drawing/2014/main" id="{BC16A2A7-D3F7-C424-A89C-D70BEBD1D113}"/>
+              </a:ext>
+            </a:extLst>
+          </p:cNvPr>
+          <p:cNvSpPr txBox="1"/>
+          <p:nvPr/>
+        </p:nvSpPr>
+        <p:spPr>
+          <a:xfrm>
+            <a:off x="10370152" y="6083711"/>
+            <a:ext cx="1821848" cy="557589"/>
+          </a:xfrm>
+          <a:prstGeom prst="rect">
+            <a:avLst/>
+          </a:prstGeom>
+        </p:spPr>
+        <p:txBody>
+          <a:bodyPr wrap="square" lIns="0" tIns="0" rIns="0" bIns="0" rtlCol="0" anchor="t">
+            <a:spAutoFit/>
+          </a:bodyPr>
+          <a:lstStyle/>
+          <a:p>
+            <a:pPr algn="ctr">
+              <a:lnSpc>
+                <a:spcPts val="5190"/>
+              </a:lnSpc>
+              <a:spcBef>
+                <a:spcPct val="0"/>
+              </a:spcBef>
+            </a:pPr>
+            <a:r>
+              <a:rPr lang="en-US" sz="1050" dirty="0">
+                <a:latin typeface="Poppins" panose="00000500000000000000" pitchFamily="2" charset="0"/>
+                <a:cs typeface="Poppins" panose="00000500000000000000" pitchFamily="2" charset="0"/>
+                <a:hlinkClick r:id="rId4">
+                  <a:extLst>
+                    <a:ext uri="{A12FA001-AC4F-418D-AE19-62706E023703}">
+                      <ahyp:hlinkClr xmlns:ahyp="http://schemas.microsoft.com/office/drawing/2018/hyperlinkcolor" val="tx"/>
+                    </a:ext>
+                  </a:extLst>
+                </a:hlinkClick>
+              </a:rPr>
+              <a:t>@mmsalmanfaris</a:t>
+            </a:r>
+            <a:endParaRPr lang="en-US" sz="1050" dirty="0">
+              <a:latin typeface="Poppins" panose="00000500000000000000" pitchFamily="2" charset="0"/>
+              <a:cs typeface="Poppins" panose="00000500000000000000" pitchFamily="2" charset="0"/>
+            </a:endParaRPr>
+          </a:p>
+        </p:txBody>
+      </p:sp>
+    </p:spTree>
+    <p:extLst>
+      <p:ext uri="{BB962C8B-B14F-4D97-AF65-F5344CB8AC3E}">
+        <p14:creationId xmlns:p14="http://schemas.microsoft.com/office/powerpoint/2010/main" val="630566199"/>
+      </p:ext>
+    </p:extLst>
+  </p:cSld>
+  <p:clrMapOvr>
+    <a:masterClrMapping/>
+  </p:clrMapOvr>
+  <mc:AlternateContent xmlns:mc="http://schemas.openxmlformats.org/markup-compatibility/2006" xmlns:p14="http://schemas.microsoft.com/office/powerpoint/2010/main">
+    <mc:Choice Requires="p14">
+      <p:transition spd="med" p14:dur="700">
+        <p:fade/>
+      </p:transition>
+    </mc:Choice>
+    <mc:Fallback xmlns="">
+      <p:transition spd="med">
+        <p:fade/>
+      </p:transition>
+    </mc:Fallback>
+  </mc:AlternateContent>
+</p:sld>
+</file>
+
+<file path=ppt/slides/slide12.xml><?xml version="1.0" encoding="utf-8"?>
+<p:sld xmlns:a="http://schemas.openxmlformats.org/drawingml/2006/main" xmlns:r="http://schemas.openxmlformats.org/officeDocument/2006/relationships" xmlns:p="http://schemas.openxmlformats.org/presentationml/2006/main">
+  <p:cSld>
     <p:spTree>
       <p:nvGrpSpPr>
         <p:cNvPr id="1" name=""/>
@@ -5696,7 +6750,7 @@
 </p:sld>
 </file>
 
-<file path=ppt/slides/slide11.xml><?xml version="1.0" encoding="utf-8"?>
+<file path=ppt/slides/slide13.xml><?xml version="1.0" encoding="utf-8"?>
 <p:sld xmlns:a="http://schemas.openxmlformats.org/drawingml/2006/main" xmlns:r="http://schemas.openxmlformats.org/officeDocument/2006/relationships" xmlns:p="http://schemas.openxmlformats.org/presentationml/2006/main">
   <p:cSld>
     <p:spTree>
@@ -6146,7 +7200,7 @@
 </p:sld>
 </file>
 
-<file path=ppt/slides/slide12.xml><?xml version="1.0" encoding="utf-8"?>
+<file path=ppt/slides/slide14.xml><?xml version="1.0" encoding="utf-8"?>
 <p:sld xmlns:a="http://schemas.openxmlformats.org/drawingml/2006/main" xmlns:r="http://schemas.openxmlformats.org/officeDocument/2006/relationships" xmlns:p="http://schemas.openxmlformats.org/presentationml/2006/main">
   <p:cSld>
     <p:spTree>
@@ -7034,7 +8088,7 @@
 </p:sld>
 </file>
 
-<file path=ppt/slides/slide13.xml><?xml version="1.0" encoding="utf-8"?>
+<file path=ppt/slides/slide15.xml><?xml version="1.0" encoding="utf-8"?>
 <p:sld xmlns:a="http://schemas.openxmlformats.org/drawingml/2006/main" xmlns:r="http://schemas.openxmlformats.org/officeDocument/2006/relationships" xmlns:p="http://schemas.openxmlformats.org/presentationml/2006/main">
   <p:cSld>
     <p:spTree>
@@ -7361,626 +8415,6 @@
     <p:extLst>
       <p:ext uri="{BB962C8B-B14F-4D97-AF65-F5344CB8AC3E}">
         <p14:creationId xmlns:p14="http://schemas.microsoft.com/office/powerpoint/2010/main" val="4072511789"/>
-      </p:ext>
-    </p:extLst>
-  </p:cSld>
-  <p:clrMapOvr>
-    <a:masterClrMapping/>
-  </p:clrMapOvr>
-  <mc:AlternateContent xmlns:mc="http://schemas.openxmlformats.org/markup-compatibility/2006" xmlns:p14="http://schemas.microsoft.com/office/powerpoint/2010/main">
-    <mc:Choice Requires="p14">
-      <p:transition spd="med" p14:dur="700">
-        <p:fade/>
-      </p:transition>
-    </mc:Choice>
-    <mc:Fallback xmlns="">
-      <p:transition spd="med">
-        <p:fade/>
-      </p:transition>
-    </mc:Fallback>
-  </mc:AlternateContent>
-</p:sld>
-</file>
-
-<file path=ppt/slides/slide14.xml><?xml version="1.0" encoding="utf-8"?>
-<p:sld xmlns:a="http://schemas.openxmlformats.org/drawingml/2006/main" xmlns:r="http://schemas.openxmlformats.org/officeDocument/2006/relationships" xmlns:p="http://schemas.openxmlformats.org/presentationml/2006/main">
-  <p:cSld>
-    <p:spTree>
-      <p:nvGrpSpPr>
-        <p:cNvPr id="1" name=""/>
-        <p:cNvGrpSpPr/>
-        <p:nvPr/>
-      </p:nvGrpSpPr>
-      <p:grpSpPr>
-        <a:xfrm>
-          <a:off x="0" y="0"/>
-          <a:ext cx="0" cy="0"/>
-          <a:chOff x="0" y="0"/>
-          <a:chExt cx="0" cy="0"/>
-        </a:xfrm>
-      </p:grpSpPr>
-      <p:sp>
-        <p:nvSpPr>
-          <p:cNvPr id="2" name="Rectangle 1">
-            <a:extLst>
-              <a:ext uri="{FF2B5EF4-FFF2-40B4-BE49-F238E27FC236}">
-                <a16:creationId xmlns:a16="http://schemas.microsoft.com/office/drawing/2014/main" id="{1B31A2EA-68C4-DD2B-FEDC-EA88BF729D4B}"/>
-              </a:ext>
-            </a:extLst>
-          </p:cNvPr>
-          <p:cNvSpPr/>
-          <p:nvPr/>
-        </p:nvSpPr>
-        <p:spPr>
-          <a:xfrm>
-            <a:off x="-78658" y="-47560"/>
-            <a:ext cx="12270658" cy="1728216"/>
-          </a:xfrm>
-          <a:prstGeom prst="rect">
-            <a:avLst/>
-          </a:prstGeom>
-        </p:spPr>
-        <p:style>
-          <a:lnRef idx="2">
-            <a:schemeClr val="dk1">
-              <a:shade val="15000"/>
-            </a:schemeClr>
-          </a:lnRef>
-          <a:fillRef idx="1">
-            <a:schemeClr val="dk1"/>
-          </a:fillRef>
-          <a:effectRef idx="0">
-            <a:schemeClr val="dk1"/>
-          </a:effectRef>
-          <a:fontRef idx="minor">
-            <a:schemeClr val="lt1"/>
-          </a:fontRef>
-        </p:style>
-        <p:txBody>
-          <a:bodyPr rtlCol="0" anchor="ctr"/>
-          <a:lstStyle/>
-          <a:p>
-            <a:pPr algn="ctr"/>
-            <a:endParaRPr lang="en-US">
-              <a:latin typeface="Poppins" panose="00000500000000000000" pitchFamily="2" charset="0"/>
-              <a:cs typeface="Poppins" panose="00000500000000000000" pitchFamily="2" charset="0"/>
-            </a:endParaRPr>
-          </a:p>
-        </p:txBody>
-      </p:sp>
-      <p:sp>
-        <p:nvSpPr>
-          <p:cNvPr id="4" name="Title 3"/>
-          <p:cNvSpPr>
-            <a:spLocks noGrp="1"/>
-          </p:cNvSpPr>
-          <p:nvPr>
-            <p:ph type="title"/>
-          </p:nvPr>
-        </p:nvSpPr>
-        <p:spPr>
-          <a:xfrm>
-            <a:off x="914400" y="523865"/>
-            <a:ext cx="10058400" cy="953709"/>
-          </a:xfrm>
-        </p:spPr>
-        <p:txBody>
-          <a:bodyPr/>
-          <a:lstStyle/>
-          <a:p>
-            <a:r>
-              <a:rPr lang="en-US" b="1" dirty="0">
-                <a:solidFill>
-                  <a:schemeClr val="bg1"/>
-                </a:solidFill>
-                <a:latin typeface="Poppins" panose="00000500000000000000" pitchFamily="2" charset="0"/>
-                <a:cs typeface="Poppins" panose="00000500000000000000" pitchFamily="2" charset="0"/>
-              </a:rPr>
-              <a:t>Git Commit</a:t>
-            </a:r>
-          </a:p>
-        </p:txBody>
-      </p:sp>
-      <p:sp>
-        <p:nvSpPr>
-          <p:cNvPr id="11" name="TextBox 10">
-            <a:extLst>
-              <a:ext uri="{FF2B5EF4-FFF2-40B4-BE49-F238E27FC236}">
-                <a16:creationId xmlns:a16="http://schemas.microsoft.com/office/drawing/2014/main" id="{5F10B270-092D-4173-A3B8-3C667092E3A0}"/>
-              </a:ext>
-            </a:extLst>
-          </p:cNvPr>
-          <p:cNvSpPr txBox="1"/>
-          <p:nvPr/>
-        </p:nvSpPr>
-        <p:spPr>
-          <a:xfrm>
-            <a:off x="885323" y="3075057"/>
-            <a:ext cx="10421354" cy="707886"/>
-          </a:xfrm>
-          <a:prstGeom prst="rect">
-            <a:avLst/>
-          </a:prstGeom>
-          <a:noFill/>
-        </p:spPr>
-        <p:txBody>
-          <a:bodyPr wrap="square">
-            <a:spAutoFit/>
-          </a:bodyPr>
-          <a:lstStyle/>
-          <a:p>
-            <a:r>
-              <a:rPr lang="en-US" sz="4000" dirty="0">
-                <a:gradFill>
-                  <a:gsLst>
-                    <a:gs pos="61049">
-                      <a:schemeClr val="tx1"/>
-                    </a:gs>
-                    <a:gs pos="43000">
-                      <a:schemeClr val="tx1"/>
-                    </a:gs>
-                  </a:gsLst>
-                  <a:lin ang="5400000" scaled="0"/>
-                </a:gradFill>
-                <a:latin typeface="Consolas" panose="020B0609020204030204" pitchFamily="49" charset="0"/>
-              </a:rPr>
-              <a:t>$ git commit –m “Initial commit”</a:t>
-            </a:r>
-          </a:p>
-        </p:txBody>
-      </p:sp>
-      <p:sp>
-        <p:nvSpPr>
-          <p:cNvPr id="13" name="TextBox 12">
-            <a:extLst>
-              <a:ext uri="{FF2B5EF4-FFF2-40B4-BE49-F238E27FC236}">
-                <a16:creationId xmlns:a16="http://schemas.microsoft.com/office/drawing/2014/main" id="{DDBF212F-C335-4FA8-9A3C-EB7A6B479EDE}"/>
-              </a:ext>
-            </a:extLst>
-          </p:cNvPr>
-          <p:cNvSpPr txBox="1"/>
-          <p:nvPr/>
-        </p:nvSpPr>
-        <p:spPr>
-          <a:xfrm>
-            <a:off x="914400" y="4889316"/>
-            <a:ext cx="10183171" cy="1200329"/>
-          </a:xfrm>
-          <a:prstGeom prst="rect">
-            <a:avLst/>
-          </a:prstGeom>
-          <a:noFill/>
-        </p:spPr>
-        <p:txBody>
-          <a:bodyPr wrap="square">
-            <a:spAutoFit/>
-          </a:bodyPr>
-          <a:lstStyle/>
-          <a:p>
-            <a:r>
-              <a:rPr lang="en-US" sz="2400" dirty="0">
-                <a:latin typeface="Poppins" panose="00000500000000000000" pitchFamily="2" charset="0"/>
-                <a:cs typeface="Poppins" panose="00000500000000000000" pitchFamily="2" charset="0"/>
-              </a:rPr>
-              <a:t>This command moves your changes to the local repository.</a:t>
-            </a:r>
-          </a:p>
-          <a:p>
-            <a:endParaRPr lang="en-US" sz="2400" dirty="0">
-              <a:latin typeface="Poppins" panose="00000500000000000000" pitchFamily="2" charset="0"/>
-              <a:cs typeface="Poppins" panose="00000500000000000000" pitchFamily="2" charset="0"/>
-            </a:endParaRPr>
-          </a:p>
-          <a:p>
-            <a:r>
-              <a:rPr lang="en-US" sz="2400" dirty="0">
-                <a:latin typeface="Poppins" panose="00000500000000000000" pitchFamily="2" charset="0"/>
-                <a:cs typeface="Poppins" panose="00000500000000000000" pitchFamily="2" charset="0"/>
-              </a:rPr>
-              <a:t>Try to always write your commit message imperatively.</a:t>
-            </a:r>
-          </a:p>
-        </p:txBody>
-      </p:sp>
-      <p:sp>
-        <p:nvSpPr>
-          <p:cNvPr id="3" name="TextBox 23">
-            <a:hlinkClick r:id="rId3"/>
-            <a:extLst>
-              <a:ext uri="{FF2B5EF4-FFF2-40B4-BE49-F238E27FC236}">
-                <a16:creationId xmlns:a16="http://schemas.microsoft.com/office/drawing/2014/main" id="{09E2D7BB-8EDA-1458-8F15-311BA9D879C6}"/>
-              </a:ext>
-            </a:extLst>
-          </p:cNvPr>
-          <p:cNvSpPr txBox="1"/>
-          <p:nvPr/>
-        </p:nvSpPr>
-        <p:spPr>
-          <a:xfrm>
-            <a:off x="10370152" y="6083711"/>
-            <a:ext cx="1821848" cy="557589"/>
-          </a:xfrm>
-          <a:prstGeom prst="rect">
-            <a:avLst/>
-          </a:prstGeom>
-        </p:spPr>
-        <p:txBody>
-          <a:bodyPr wrap="square" lIns="0" tIns="0" rIns="0" bIns="0" rtlCol="0" anchor="t">
-            <a:spAutoFit/>
-          </a:bodyPr>
-          <a:lstStyle/>
-          <a:p>
-            <a:pPr algn="ctr">
-              <a:lnSpc>
-                <a:spcPts val="5190"/>
-              </a:lnSpc>
-              <a:spcBef>
-                <a:spcPct val="0"/>
-              </a:spcBef>
-            </a:pPr>
-            <a:r>
-              <a:rPr lang="en-US" sz="1050" dirty="0">
-                <a:solidFill>
-                  <a:schemeClr val="tx1">
-                    <a:lumMod val="95000"/>
-                    <a:lumOff val="5000"/>
-                  </a:schemeClr>
-                </a:solidFill>
-                <a:latin typeface="Poppins" panose="00000500000000000000" pitchFamily="2" charset="0"/>
-                <a:cs typeface="Poppins" panose="00000500000000000000" pitchFamily="2" charset="0"/>
-                <a:hlinkClick r:id="rId4">
-                  <a:extLst>
-                    <a:ext uri="{A12FA001-AC4F-418D-AE19-62706E023703}">
-                      <ahyp:hlinkClr xmlns:ahyp="http://schemas.microsoft.com/office/drawing/2018/hyperlinkcolor" val="tx"/>
-                    </a:ext>
-                  </a:extLst>
-                </a:hlinkClick>
-              </a:rPr>
-              <a:t>@mmsalmanfaris</a:t>
-            </a:r>
-            <a:endParaRPr lang="en-US" sz="1050" dirty="0">
-              <a:solidFill>
-                <a:schemeClr val="tx1">
-                  <a:lumMod val="95000"/>
-                  <a:lumOff val="5000"/>
-                </a:schemeClr>
-              </a:solidFill>
-              <a:latin typeface="Poppins" panose="00000500000000000000" pitchFamily="2" charset="0"/>
-              <a:cs typeface="Poppins" panose="00000500000000000000" pitchFamily="2" charset="0"/>
-            </a:endParaRPr>
-          </a:p>
-        </p:txBody>
-      </p:sp>
-    </p:spTree>
-    <p:extLst>
-      <p:ext uri="{BB962C8B-B14F-4D97-AF65-F5344CB8AC3E}">
-        <p14:creationId xmlns:p14="http://schemas.microsoft.com/office/powerpoint/2010/main" val="64910240"/>
-      </p:ext>
-    </p:extLst>
-  </p:cSld>
-  <p:clrMapOvr>
-    <a:masterClrMapping/>
-  </p:clrMapOvr>
-  <mc:AlternateContent xmlns:mc="http://schemas.openxmlformats.org/markup-compatibility/2006" xmlns:p14="http://schemas.microsoft.com/office/powerpoint/2010/main">
-    <mc:Choice Requires="p14">
-      <p:transition spd="med" p14:dur="700">
-        <p:fade/>
-      </p:transition>
-    </mc:Choice>
-    <mc:Fallback xmlns="">
-      <p:transition spd="med">
-        <p:fade/>
-      </p:transition>
-    </mc:Fallback>
-  </mc:AlternateContent>
-</p:sld>
-</file>
-
-<file path=ppt/slides/slide15.xml><?xml version="1.0" encoding="utf-8"?>
-<p:sld xmlns:a="http://schemas.openxmlformats.org/drawingml/2006/main" xmlns:r="http://schemas.openxmlformats.org/officeDocument/2006/relationships" xmlns:p="http://schemas.openxmlformats.org/presentationml/2006/main">
-  <p:cSld>
-    <p:spTree>
-      <p:nvGrpSpPr>
-        <p:cNvPr id="1" name=""/>
-        <p:cNvGrpSpPr/>
-        <p:nvPr/>
-      </p:nvGrpSpPr>
-      <p:grpSpPr>
-        <a:xfrm>
-          <a:off x="0" y="0"/>
-          <a:ext cx="0" cy="0"/>
-          <a:chOff x="0" y="0"/>
-          <a:chExt cx="0" cy="0"/>
-        </a:xfrm>
-      </p:grpSpPr>
-      <p:sp>
-        <p:nvSpPr>
-          <p:cNvPr id="2" name="Rectangle 1">
-            <a:extLst>
-              <a:ext uri="{FF2B5EF4-FFF2-40B4-BE49-F238E27FC236}">
-                <a16:creationId xmlns:a16="http://schemas.microsoft.com/office/drawing/2014/main" id="{A15215EC-311B-4B2E-09DD-C4818716335E}"/>
-              </a:ext>
-            </a:extLst>
-          </p:cNvPr>
-          <p:cNvSpPr/>
-          <p:nvPr/>
-        </p:nvSpPr>
-        <p:spPr>
-          <a:xfrm>
-            <a:off x="-117987" y="-47560"/>
-            <a:ext cx="12309987" cy="1728216"/>
-          </a:xfrm>
-          <a:prstGeom prst="rect">
-            <a:avLst/>
-          </a:prstGeom>
-        </p:spPr>
-        <p:style>
-          <a:lnRef idx="2">
-            <a:schemeClr val="dk1">
-              <a:shade val="15000"/>
-            </a:schemeClr>
-          </a:lnRef>
-          <a:fillRef idx="1">
-            <a:schemeClr val="dk1"/>
-          </a:fillRef>
-          <a:effectRef idx="0">
-            <a:schemeClr val="dk1"/>
-          </a:effectRef>
-          <a:fontRef idx="minor">
-            <a:schemeClr val="lt1"/>
-          </a:fontRef>
-        </p:style>
-        <p:txBody>
-          <a:bodyPr rtlCol="0" anchor="ctr"/>
-          <a:lstStyle/>
-          <a:p>
-            <a:pPr algn="ctr"/>
-            <a:endParaRPr lang="en-US">
-              <a:latin typeface="Poppins" panose="00000500000000000000" pitchFamily="2" charset="0"/>
-              <a:cs typeface="Poppins" panose="00000500000000000000" pitchFamily="2" charset="0"/>
-            </a:endParaRPr>
-          </a:p>
-        </p:txBody>
-      </p:sp>
-      <p:sp>
-        <p:nvSpPr>
-          <p:cNvPr id="4" name="Title 3"/>
-          <p:cNvSpPr>
-            <a:spLocks noGrp="1"/>
-          </p:cNvSpPr>
-          <p:nvPr>
-            <p:ph type="title"/>
-          </p:nvPr>
-        </p:nvSpPr>
-        <p:spPr>
-          <a:xfrm>
-            <a:off x="1033492" y="508151"/>
-            <a:ext cx="10302263" cy="1325563"/>
-          </a:xfrm>
-        </p:spPr>
-        <p:txBody>
-          <a:bodyPr/>
-          <a:lstStyle/>
-          <a:p>
-            <a:r>
-              <a:rPr lang="en-US" b="1" dirty="0">
-                <a:solidFill>
-                  <a:schemeClr val="bg1"/>
-                </a:solidFill>
-                <a:latin typeface="Poppins" panose="00000500000000000000" pitchFamily="2" charset="0"/>
-                <a:cs typeface="Poppins" panose="00000500000000000000" pitchFamily="2" charset="0"/>
-              </a:rPr>
-              <a:t>Reviewing the Repository’s History</a:t>
-            </a:r>
-          </a:p>
-        </p:txBody>
-      </p:sp>
-      <p:sp>
-        <p:nvSpPr>
-          <p:cNvPr id="11" name="TextBox 10">
-            <a:extLst>
-              <a:ext uri="{FF2B5EF4-FFF2-40B4-BE49-F238E27FC236}">
-                <a16:creationId xmlns:a16="http://schemas.microsoft.com/office/drawing/2014/main" id="{5F10B270-092D-4173-A3B8-3C667092E3A0}"/>
-              </a:ext>
-            </a:extLst>
-          </p:cNvPr>
-          <p:cNvSpPr txBox="1"/>
-          <p:nvPr/>
-        </p:nvSpPr>
-        <p:spPr>
-          <a:xfrm>
-            <a:off x="1033492" y="2389425"/>
-            <a:ext cx="10421354" cy="707886"/>
-          </a:xfrm>
-          <a:prstGeom prst="rect">
-            <a:avLst/>
-          </a:prstGeom>
-          <a:noFill/>
-        </p:spPr>
-        <p:txBody>
-          <a:bodyPr wrap="square">
-            <a:spAutoFit/>
-          </a:bodyPr>
-          <a:lstStyle/>
-          <a:p>
-            <a:r>
-              <a:rPr lang="en-US" sz="4000" dirty="0">
-                <a:gradFill>
-                  <a:gsLst>
-                    <a:gs pos="61049">
-                      <a:schemeClr val="tx1"/>
-                    </a:gs>
-                    <a:gs pos="43000">
-                      <a:schemeClr val="tx1"/>
-                    </a:gs>
-                  </a:gsLst>
-                  <a:lin ang="5400000" scaled="0"/>
-                </a:gradFill>
-                <a:latin typeface="Consolas" panose="020B0609020204030204" pitchFamily="49" charset="0"/>
-              </a:rPr>
-              <a:t>$ git status</a:t>
-            </a:r>
-          </a:p>
-        </p:txBody>
-      </p:sp>
-      <p:sp>
-        <p:nvSpPr>
-          <p:cNvPr id="13" name="TextBox 12">
-            <a:extLst>
-              <a:ext uri="{FF2B5EF4-FFF2-40B4-BE49-F238E27FC236}">
-                <a16:creationId xmlns:a16="http://schemas.microsoft.com/office/drawing/2014/main" id="{DDBF212F-C335-4FA8-9A3C-EB7A6B479EDE}"/>
-              </a:ext>
-            </a:extLst>
-          </p:cNvPr>
-          <p:cNvSpPr txBox="1"/>
-          <p:nvPr/>
-        </p:nvSpPr>
-        <p:spPr>
-          <a:xfrm>
-            <a:off x="1033492" y="3539849"/>
-            <a:ext cx="11049934" cy="2810000"/>
-          </a:xfrm>
-          <a:prstGeom prst="rect">
-            <a:avLst/>
-          </a:prstGeom>
-          <a:noFill/>
-        </p:spPr>
-        <p:txBody>
-          <a:bodyPr wrap="square">
-            <a:spAutoFit/>
-          </a:bodyPr>
-          <a:lstStyle/>
-          <a:p>
-            <a:pPr>
-              <a:lnSpc>
-                <a:spcPct val="150000"/>
-              </a:lnSpc>
-            </a:pPr>
-            <a:r>
-              <a:rPr lang="en-US" sz="2400" dirty="0">
-                <a:latin typeface="Poppins" panose="00000500000000000000" pitchFamily="2" charset="0"/>
-                <a:cs typeface="Poppins" panose="00000500000000000000" pitchFamily="2" charset="0"/>
-              </a:rPr>
-              <a:t>On branch master</a:t>
-            </a:r>
-          </a:p>
-          <a:p>
-            <a:pPr>
-              <a:lnSpc>
-                <a:spcPct val="150000"/>
-              </a:lnSpc>
-            </a:pPr>
-            <a:r>
-              <a:rPr lang="en-US" sz="2400" dirty="0">
-                <a:latin typeface="Poppins" panose="00000500000000000000" pitchFamily="2" charset="0"/>
-                <a:cs typeface="Poppins" panose="00000500000000000000" pitchFamily="2" charset="0"/>
-              </a:rPr>
-              <a:t>Your branch is up-to-date with 'origin/master’.</a:t>
-            </a:r>
-          </a:p>
-          <a:p>
-            <a:pPr>
-              <a:lnSpc>
-                <a:spcPct val="150000"/>
-              </a:lnSpc>
-            </a:pPr>
-            <a:r>
-              <a:rPr lang="en-US" sz="2400" dirty="0">
-                <a:latin typeface="Poppins" panose="00000500000000000000" pitchFamily="2" charset="0"/>
-                <a:cs typeface="Poppins" panose="00000500000000000000" pitchFamily="2" charset="0"/>
-              </a:rPr>
-              <a:t>There is nothing to commit; the working directory clean</a:t>
-            </a:r>
-          </a:p>
-          <a:p>
-            <a:pPr>
-              <a:lnSpc>
-                <a:spcPct val="150000"/>
-              </a:lnSpc>
-            </a:pPr>
-            <a:r>
-              <a:rPr lang="en-US" sz="2400" dirty="0">
-                <a:latin typeface="Poppins" panose="00000500000000000000" pitchFamily="2" charset="0"/>
-                <a:cs typeface="Poppins" panose="00000500000000000000" pitchFamily="2" charset="0"/>
-              </a:rPr>
-              <a:t>This command displays the status of the working directory and the staging area.</a:t>
-            </a:r>
-          </a:p>
-        </p:txBody>
-      </p:sp>
-      <p:sp>
-        <p:nvSpPr>
-          <p:cNvPr id="3" name="TextBox 23">
-            <a:hlinkClick r:id="rId3"/>
-            <a:extLst>
-              <a:ext uri="{FF2B5EF4-FFF2-40B4-BE49-F238E27FC236}">
-                <a16:creationId xmlns:a16="http://schemas.microsoft.com/office/drawing/2014/main" id="{4C301532-C754-C281-7C3C-471327FD971B}"/>
-              </a:ext>
-            </a:extLst>
-          </p:cNvPr>
-          <p:cNvSpPr txBox="1"/>
-          <p:nvPr/>
-        </p:nvSpPr>
-        <p:spPr>
-          <a:xfrm>
-            <a:off x="10370152" y="6083711"/>
-            <a:ext cx="1821848" cy="557589"/>
-          </a:xfrm>
-          <a:prstGeom prst="rect">
-            <a:avLst/>
-          </a:prstGeom>
-        </p:spPr>
-        <p:txBody>
-          <a:bodyPr wrap="square" lIns="0" tIns="0" rIns="0" bIns="0" rtlCol="0" anchor="t">
-            <a:spAutoFit/>
-          </a:bodyPr>
-          <a:lstStyle/>
-          <a:p>
-            <a:pPr algn="ctr">
-              <a:lnSpc>
-                <a:spcPts val="5190"/>
-              </a:lnSpc>
-              <a:spcBef>
-                <a:spcPct val="0"/>
-              </a:spcBef>
-            </a:pPr>
-            <a:r>
-              <a:rPr lang="en-US" sz="1050" dirty="0">
-                <a:solidFill>
-                  <a:schemeClr val="tx1">
-                    <a:lumMod val="95000"/>
-                    <a:lumOff val="5000"/>
-                  </a:schemeClr>
-                </a:solidFill>
-                <a:latin typeface="Poppins" panose="00000500000000000000" pitchFamily="2" charset="0"/>
-                <a:cs typeface="Poppins" panose="00000500000000000000" pitchFamily="2" charset="0"/>
-                <a:hlinkClick r:id="rId4">
-                  <a:extLst>
-                    <a:ext uri="{A12FA001-AC4F-418D-AE19-62706E023703}">
-                      <ahyp:hlinkClr xmlns:ahyp="http://schemas.microsoft.com/office/drawing/2018/hyperlinkcolor" val="tx"/>
-                    </a:ext>
-                  </a:extLst>
-                </a:hlinkClick>
-              </a:rPr>
-              <a:t>@mmsalmanfaris</a:t>
-            </a:r>
-            <a:endParaRPr lang="en-US" sz="1050" dirty="0">
-              <a:solidFill>
-                <a:schemeClr val="tx1">
-                  <a:lumMod val="95000"/>
-                  <a:lumOff val="5000"/>
-                </a:schemeClr>
-              </a:solidFill>
-              <a:latin typeface="Poppins" panose="00000500000000000000" pitchFamily="2" charset="0"/>
-              <a:cs typeface="Poppins" panose="00000500000000000000" pitchFamily="2" charset="0"/>
-            </a:endParaRPr>
-          </a:p>
-        </p:txBody>
-      </p:sp>
-    </p:spTree>
-    <p:extLst>
-      <p:ext uri="{BB962C8B-B14F-4D97-AF65-F5344CB8AC3E}">
-        <p14:creationId xmlns:p14="http://schemas.microsoft.com/office/powerpoint/2010/main" val="1519165799"/>
       </p:ext>
     </p:extLst>
   </p:cSld>
@@ -8021,6 +8455,626 @@
       </p:grpSpPr>
       <p:sp>
         <p:nvSpPr>
+          <p:cNvPr id="2" name="Rectangle 1">
+            <a:extLst>
+              <a:ext uri="{FF2B5EF4-FFF2-40B4-BE49-F238E27FC236}">
+                <a16:creationId xmlns:a16="http://schemas.microsoft.com/office/drawing/2014/main" id="{1B31A2EA-68C4-DD2B-FEDC-EA88BF729D4B}"/>
+              </a:ext>
+            </a:extLst>
+          </p:cNvPr>
+          <p:cNvSpPr/>
+          <p:nvPr/>
+        </p:nvSpPr>
+        <p:spPr>
+          <a:xfrm>
+            <a:off x="-78658" y="-47560"/>
+            <a:ext cx="12270658" cy="1728216"/>
+          </a:xfrm>
+          <a:prstGeom prst="rect">
+            <a:avLst/>
+          </a:prstGeom>
+        </p:spPr>
+        <p:style>
+          <a:lnRef idx="2">
+            <a:schemeClr val="dk1">
+              <a:shade val="15000"/>
+            </a:schemeClr>
+          </a:lnRef>
+          <a:fillRef idx="1">
+            <a:schemeClr val="dk1"/>
+          </a:fillRef>
+          <a:effectRef idx="0">
+            <a:schemeClr val="dk1"/>
+          </a:effectRef>
+          <a:fontRef idx="minor">
+            <a:schemeClr val="lt1"/>
+          </a:fontRef>
+        </p:style>
+        <p:txBody>
+          <a:bodyPr rtlCol="0" anchor="ctr"/>
+          <a:lstStyle/>
+          <a:p>
+            <a:pPr algn="ctr"/>
+            <a:endParaRPr lang="en-US">
+              <a:latin typeface="Poppins" panose="00000500000000000000" pitchFamily="2" charset="0"/>
+              <a:cs typeface="Poppins" panose="00000500000000000000" pitchFamily="2" charset="0"/>
+            </a:endParaRPr>
+          </a:p>
+        </p:txBody>
+      </p:sp>
+      <p:sp>
+        <p:nvSpPr>
+          <p:cNvPr id="4" name="Title 3"/>
+          <p:cNvSpPr>
+            <a:spLocks noGrp="1"/>
+          </p:cNvSpPr>
+          <p:nvPr>
+            <p:ph type="title"/>
+          </p:nvPr>
+        </p:nvSpPr>
+        <p:spPr>
+          <a:xfrm>
+            <a:off x="914400" y="523865"/>
+            <a:ext cx="10058400" cy="953709"/>
+          </a:xfrm>
+        </p:spPr>
+        <p:txBody>
+          <a:bodyPr/>
+          <a:lstStyle/>
+          <a:p>
+            <a:r>
+              <a:rPr lang="en-US" b="1" dirty="0">
+                <a:solidFill>
+                  <a:schemeClr val="bg1"/>
+                </a:solidFill>
+                <a:latin typeface="Poppins" panose="00000500000000000000" pitchFamily="2" charset="0"/>
+                <a:cs typeface="Poppins" panose="00000500000000000000" pitchFamily="2" charset="0"/>
+              </a:rPr>
+              <a:t>Git Commit</a:t>
+            </a:r>
+          </a:p>
+        </p:txBody>
+      </p:sp>
+      <p:sp>
+        <p:nvSpPr>
+          <p:cNvPr id="11" name="TextBox 10">
+            <a:extLst>
+              <a:ext uri="{FF2B5EF4-FFF2-40B4-BE49-F238E27FC236}">
+                <a16:creationId xmlns:a16="http://schemas.microsoft.com/office/drawing/2014/main" id="{5F10B270-092D-4173-A3B8-3C667092E3A0}"/>
+              </a:ext>
+            </a:extLst>
+          </p:cNvPr>
+          <p:cNvSpPr txBox="1"/>
+          <p:nvPr/>
+        </p:nvSpPr>
+        <p:spPr>
+          <a:xfrm>
+            <a:off x="885323" y="3075057"/>
+            <a:ext cx="10421354" cy="707886"/>
+          </a:xfrm>
+          <a:prstGeom prst="rect">
+            <a:avLst/>
+          </a:prstGeom>
+          <a:noFill/>
+        </p:spPr>
+        <p:txBody>
+          <a:bodyPr wrap="square">
+            <a:spAutoFit/>
+          </a:bodyPr>
+          <a:lstStyle/>
+          <a:p>
+            <a:r>
+              <a:rPr lang="en-US" sz="4000" dirty="0">
+                <a:gradFill>
+                  <a:gsLst>
+                    <a:gs pos="61049">
+                      <a:schemeClr val="tx1"/>
+                    </a:gs>
+                    <a:gs pos="43000">
+                      <a:schemeClr val="tx1"/>
+                    </a:gs>
+                  </a:gsLst>
+                  <a:lin ang="5400000" scaled="0"/>
+                </a:gradFill>
+                <a:latin typeface="Consolas" panose="020B0609020204030204" pitchFamily="49" charset="0"/>
+              </a:rPr>
+              <a:t>$ git commit –m “Initial commit”</a:t>
+            </a:r>
+          </a:p>
+        </p:txBody>
+      </p:sp>
+      <p:sp>
+        <p:nvSpPr>
+          <p:cNvPr id="13" name="TextBox 12">
+            <a:extLst>
+              <a:ext uri="{FF2B5EF4-FFF2-40B4-BE49-F238E27FC236}">
+                <a16:creationId xmlns:a16="http://schemas.microsoft.com/office/drawing/2014/main" id="{DDBF212F-C335-4FA8-9A3C-EB7A6B479EDE}"/>
+              </a:ext>
+            </a:extLst>
+          </p:cNvPr>
+          <p:cNvSpPr txBox="1"/>
+          <p:nvPr/>
+        </p:nvSpPr>
+        <p:spPr>
+          <a:xfrm>
+            <a:off x="914400" y="4889316"/>
+            <a:ext cx="10183171" cy="1200329"/>
+          </a:xfrm>
+          <a:prstGeom prst="rect">
+            <a:avLst/>
+          </a:prstGeom>
+          <a:noFill/>
+        </p:spPr>
+        <p:txBody>
+          <a:bodyPr wrap="square">
+            <a:spAutoFit/>
+          </a:bodyPr>
+          <a:lstStyle/>
+          <a:p>
+            <a:r>
+              <a:rPr lang="en-US" sz="2400" dirty="0">
+                <a:latin typeface="Poppins" panose="00000500000000000000" pitchFamily="2" charset="0"/>
+                <a:cs typeface="Poppins" panose="00000500000000000000" pitchFamily="2" charset="0"/>
+              </a:rPr>
+              <a:t>This command moves your changes to the local repository.</a:t>
+            </a:r>
+          </a:p>
+          <a:p>
+            <a:endParaRPr lang="en-US" sz="2400" dirty="0">
+              <a:latin typeface="Poppins" panose="00000500000000000000" pitchFamily="2" charset="0"/>
+              <a:cs typeface="Poppins" panose="00000500000000000000" pitchFamily="2" charset="0"/>
+            </a:endParaRPr>
+          </a:p>
+          <a:p>
+            <a:r>
+              <a:rPr lang="en-US" sz="2400" dirty="0">
+                <a:latin typeface="Poppins" panose="00000500000000000000" pitchFamily="2" charset="0"/>
+                <a:cs typeface="Poppins" panose="00000500000000000000" pitchFamily="2" charset="0"/>
+              </a:rPr>
+              <a:t>Try to always write your commit message imperatively.</a:t>
+            </a:r>
+          </a:p>
+        </p:txBody>
+      </p:sp>
+      <p:sp>
+        <p:nvSpPr>
+          <p:cNvPr id="3" name="TextBox 23">
+            <a:hlinkClick r:id="rId3"/>
+            <a:extLst>
+              <a:ext uri="{FF2B5EF4-FFF2-40B4-BE49-F238E27FC236}">
+                <a16:creationId xmlns:a16="http://schemas.microsoft.com/office/drawing/2014/main" id="{09E2D7BB-8EDA-1458-8F15-311BA9D879C6}"/>
+              </a:ext>
+            </a:extLst>
+          </p:cNvPr>
+          <p:cNvSpPr txBox="1"/>
+          <p:nvPr/>
+        </p:nvSpPr>
+        <p:spPr>
+          <a:xfrm>
+            <a:off x="10370152" y="6083711"/>
+            <a:ext cx="1821848" cy="557589"/>
+          </a:xfrm>
+          <a:prstGeom prst="rect">
+            <a:avLst/>
+          </a:prstGeom>
+        </p:spPr>
+        <p:txBody>
+          <a:bodyPr wrap="square" lIns="0" tIns="0" rIns="0" bIns="0" rtlCol="0" anchor="t">
+            <a:spAutoFit/>
+          </a:bodyPr>
+          <a:lstStyle/>
+          <a:p>
+            <a:pPr algn="ctr">
+              <a:lnSpc>
+                <a:spcPts val="5190"/>
+              </a:lnSpc>
+              <a:spcBef>
+                <a:spcPct val="0"/>
+              </a:spcBef>
+            </a:pPr>
+            <a:r>
+              <a:rPr lang="en-US" sz="1050" dirty="0">
+                <a:solidFill>
+                  <a:schemeClr val="tx1">
+                    <a:lumMod val="95000"/>
+                    <a:lumOff val="5000"/>
+                  </a:schemeClr>
+                </a:solidFill>
+                <a:latin typeface="Poppins" panose="00000500000000000000" pitchFamily="2" charset="0"/>
+                <a:cs typeface="Poppins" panose="00000500000000000000" pitchFamily="2" charset="0"/>
+                <a:hlinkClick r:id="rId4">
+                  <a:extLst>
+                    <a:ext uri="{A12FA001-AC4F-418D-AE19-62706E023703}">
+                      <ahyp:hlinkClr xmlns:ahyp="http://schemas.microsoft.com/office/drawing/2018/hyperlinkcolor" val="tx"/>
+                    </a:ext>
+                  </a:extLst>
+                </a:hlinkClick>
+              </a:rPr>
+              <a:t>@mmsalmanfaris</a:t>
+            </a:r>
+            <a:endParaRPr lang="en-US" sz="1050" dirty="0">
+              <a:solidFill>
+                <a:schemeClr val="tx1">
+                  <a:lumMod val="95000"/>
+                  <a:lumOff val="5000"/>
+                </a:schemeClr>
+              </a:solidFill>
+              <a:latin typeface="Poppins" panose="00000500000000000000" pitchFamily="2" charset="0"/>
+              <a:cs typeface="Poppins" panose="00000500000000000000" pitchFamily="2" charset="0"/>
+            </a:endParaRPr>
+          </a:p>
+        </p:txBody>
+      </p:sp>
+    </p:spTree>
+    <p:extLst>
+      <p:ext uri="{BB962C8B-B14F-4D97-AF65-F5344CB8AC3E}">
+        <p14:creationId xmlns:p14="http://schemas.microsoft.com/office/powerpoint/2010/main" val="64910240"/>
+      </p:ext>
+    </p:extLst>
+  </p:cSld>
+  <p:clrMapOvr>
+    <a:masterClrMapping/>
+  </p:clrMapOvr>
+  <mc:AlternateContent xmlns:mc="http://schemas.openxmlformats.org/markup-compatibility/2006" xmlns:p14="http://schemas.microsoft.com/office/powerpoint/2010/main">
+    <mc:Choice Requires="p14">
+      <p:transition spd="med" p14:dur="700">
+        <p:fade/>
+      </p:transition>
+    </mc:Choice>
+    <mc:Fallback xmlns="">
+      <p:transition spd="med">
+        <p:fade/>
+      </p:transition>
+    </mc:Fallback>
+  </mc:AlternateContent>
+</p:sld>
+</file>
+
+<file path=ppt/slides/slide17.xml><?xml version="1.0" encoding="utf-8"?>
+<p:sld xmlns:a="http://schemas.openxmlformats.org/drawingml/2006/main" xmlns:r="http://schemas.openxmlformats.org/officeDocument/2006/relationships" xmlns:p="http://schemas.openxmlformats.org/presentationml/2006/main">
+  <p:cSld>
+    <p:spTree>
+      <p:nvGrpSpPr>
+        <p:cNvPr id="1" name=""/>
+        <p:cNvGrpSpPr/>
+        <p:nvPr/>
+      </p:nvGrpSpPr>
+      <p:grpSpPr>
+        <a:xfrm>
+          <a:off x="0" y="0"/>
+          <a:ext cx="0" cy="0"/>
+          <a:chOff x="0" y="0"/>
+          <a:chExt cx="0" cy="0"/>
+        </a:xfrm>
+      </p:grpSpPr>
+      <p:sp>
+        <p:nvSpPr>
+          <p:cNvPr id="2" name="Rectangle 1">
+            <a:extLst>
+              <a:ext uri="{FF2B5EF4-FFF2-40B4-BE49-F238E27FC236}">
+                <a16:creationId xmlns:a16="http://schemas.microsoft.com/office/drawing/2014/main" id="{A15215EC-311B-4B2E-09DD-C4818716335E}"/>
+              </a:ext>
+            </a:extLst>
+          </p:cNvPr>
+          <p:cNvSpPr/>
+          <p:nvPr/>
+        </p:nvSpPr>
+        <p:spPr>
+          <a:xfrm>
+            <a:off x="-117987" y="-47560"/>
+            <a:ext cx="12309987" cy="1728216"/>
+          </a:xfrm>
+          <a:prstGeom prst="rect">
+            <a:avLst/>
+          </a:prstGeom>
+        </p:spPr>
+        <p:style>
+          <a:lnRef idx="2">
+            <a:schemeClr val="dk1">
+              <a:shade val="15000"/>
+            </a:schemeClr>
+          </a:lnRef>
+          <a:fillRef idx="1">
+            <a:schemeClr val="dk1"/>
+          </a:fillRef>
+          <a:effectRef idx="0">
+            <a:schemeClr val="dk1"/>
+          </a:effectRef>
+          <a:fontRef idx="minor">
+            <a:schemeClr val="lt1"/>
+          </a:fontRef>
+        </p:style>
+        <p:txBody>
+          <a:bodyPr rtlCol="0" anchor="ctr"/>
+          <a:lstStyle/>
+          <a:p>
+            <a:pPr algn="ctr"/>
+            <a:endParaRPr lang="en-US">
+              <a:latin typeface="Poppins" panose="00000500000000000000" pitchFamily="2" charset="0"/>
+              <a:cs typeface="Poppins" panose="00000500000000000000" pitchFamily="2" charset="0"/>
+            </a:endParaRPr>
+          </a:p>
+        </p:txBody>
+      </p:sp>
+      <p:sp>
+        <p:nvSpPr>
+          <p:cNvPr id="4" name="Title 3"/>
+          <p:cNvSpPr>
+            <a:spLocks noGrp="1"/>
+          </p:cNvSpPr>
+          <p:nvPr>
+            <p:ph type="title"/>
+          </p:nvPr>
+        </p:nvSpPr>
+        <p:spPr>
+          <a:xfrm>
+            <a:off x="1033492" y="508151"/>
+            <a:ext cx="10302263" cy="1325563"/>
+          </a:xfrm>
+        </p:spPr>
+        <p:txBody>
+          <a:bodyPr/>
+          <a:lstStyle/>
+          <a:p>
+            <a:r>
+              <a:rPr lang="en-US" b="1" dirty="0">
+                <a:solidFill>
+                  <a:schemeClr val="bg1"/>
+                </a:solidFill>
+                <a:latin typeface="Poppins" panose="00000500000000000000" pitchFamily="2" charset="0"/>
+                <a:cs typeface="Poppins" panose="00000500000000000000" pitchFamily="2" charset="0"/>
+              </a:rPr>
+              <a:t>Reviewing the Repository’s History</a:t>
+            </a:r>
+          </a:p>
+        </p:txBody>
+      </p:sp>
+      <p:sp>
+        <p:nvSpPr>
+          <p:cNvPr id="11" name="TextBox 10">
+            <a:extLst>
+              <a:ext uri="{FF2B5EF4-FFF2-40B4-BE49-F238E27FC236}">
+                <a16:creationId xmlns:a16="http://schemas.microsoft.com/office/drawing/2014/main" id="{5F10B270-092D-4173-A3B8-3C667092E3A0}"/>
+              </a:ext>
+            </a:extLst>
+          </p:cNvPr>
+          <p:cNvSpPr txBox="1"/>
+          <p:nvPr/>
+        </p:nvSpPr>
+        <p:spPr>
+          <a:xfrm>
+            <a:off x="1033492" y="2389425"/>
+            <a:ext cx="10421354" cy="707886"/>
+          </a:xfrm>
+          <a:prstGeom prst="rect">
+            <a:avLst/>
+          </a:prstGeom>
+          <a:noFill/>
+        </p:spPr>
+        <p:txBody>
+          <a:bodyPr wrap="square">
+            <a:spAutoFit/>
+          </a:bodyPr>
+          <a:lstStyle/>
+          <a:p>
+            <a:r>
+              <a:rPr lang="en-US" sz="4000" dirty="0">
+                <a:gradFill>
+                  <a:gsLst>
+                    <a:gs pos="61049">
+                      <a:schemeClr val="tx1"/>
+                    </a:gs>
+                    <a:gs pos="43000">
+                      <a:schemeClr val="tx1"/>
+                    </a:gs>
+                  </a:gsLst>
+                  <a:lin ang="5400000" scaled="0"/>
+                </a:gradFill>
+                <a:latin typeface="Consolas" panose="020B0609020204030204" pitchFamily="49" charset="0"/>
+              </a:rPr>
+              <a:t>$ git status</a:t>
+            </a:r>
+          </a:p>
+        </p:txBody>
+      </p:sp>
+      <p:sp>
+        <p:nvSpPr>
+          <p:cNvPr id="13" name="TextBox 12">
+            <a:extLst>
+              <a:ext uri="{FF2B5EF4-FFF2-40B4-BE49-F238E27FC236}">
+                <a16:creationId xmlns:a16="http://schemas.microsoft.com/office/drawing/2014/main" id="{DDBF212F-C335-4FA8-9A3C-EB7A6B479EDE}"/>
+              </a:ext>
+            </a:extLst>
+          </p:cNvPr>
+          <p:cNvSpPr txBox="1"/>
+          <p:nvPr/>
+        </p:nvSpPr>
+        <p:spPr>
+          <a:xfrm>
+            <a:off x="1033492" y="3539849"/>
+            <a:ext cx="11049934" cy="2810000"/>
+          </a:xfrm>
+          <a:prstGeom prst="rect">
+            <a:avLst/>
+          </a:prstGeom>
+          <a:noFill/>
+        </p:spPr>
+        <p:txBody>
+          <a:bodyPr wrap="square">
+            <a:spAutoFit/>
+          </a:bodyPr>
+          <a:lstStyle/>
+          <a:p>
+            <a:pPr>
+              <a:lnSpc>
+                <a:spcPct val="150000"/>
+              </a:lnSpc>
+            </a:pPr>
+            <a:r>
+              <a:rPr lang="en-US" sz="2400" dirty="0">
+                <a:latin typeface="Poppins" panose="00000500000000000000" pitchFamily="2" charset="0"/>
+                <a:cs typeface="Poppins" panose="00000500000000000000" pitchFamily="2" charset="0"/>
+              </a:rPr>
+              <a:t>On branch master</a:t>
+            </a:r>
+          </a:p>
+          <a:p>
+            <a:pPr>
+              <a:lnSpc>
+                <a:spcPct val="150000"/>
+              </a:lnSpc>
+            </a:pPr>
+            <a:r>
+              <a:rPr lang="en-US" sz="2400" dirty="0">
+                <a:latin typeface="Poppins" panose="00000500000000000000" pitchFamily="2" charset="0"/>
+                <a:cs typeface="Poppins" panose="00000500000000000000" pitchFamily="2" charset="0"/>
+              </a:rPr>
+              <a:t>Your branch is up-to-date with 'origin/master’.</a:t>
+            </a:r>
+          </a:p>
+          <a:p>
+            <a:pPr>
+              <a:lnSpc>
+                <a:spcPct val="150000"/>
+              </a:lnSpc>
+            </a:pPr>
+            <a:r>
+              <a:rPr lang="en-US" sz="2400" dirty="0">
+                <a:latin typeface="Poppins" panose="00000500000000000000" pitchFamily="2" charset="0"/>
+                <a:cs typeface="Poppins" panose="00000500000000000000" pitchFamily="2" charset="0"/>
+              </a:rPr>
+              <a:t>There is nothing to commit; the working directory clean</a:t>
+            </a:r>
+          </a:p>
+          <a:p>
+            <a:pPr>
+              <a:lnSpc>
+                <a:spcPct val="150000"/>
+              </a:lnSpc>
+            </a:pPr>
+            <a:r>
+              <a:rPr lang="en-US" sz="2400" dirty="0">
+                <a:latin typeface="Poppins" panose="00000500000000000000" pitchFamily="2" charset="0"/>
+                <a:cs typeface="Poppins" panose="00000500000000000000" pitchFamily="2" charset="0"/>
+              </a:rPr>
+              <a:t>This command displays the status of the working directory and the staging area.</a:t>
+            </a:r>
+          </a:p>
+        </p:txBody>
+      </p:sp>
+      <p:sp>
+        <p:nvSpPr>
+          <p:cNvPr id="3" name="TextBox 23">
+            <a:hlinkClick r:id="rId3"/>
+            <a:extLst>
+              <a:ext uri="{FF2B5EF4-FFF2-40B4-BE49-F238E27FC236}">
+                <a16:creationId xmlns:a16="http://schemas.microsoft.com/office/drawing/2014/main" id="{4C301532-C754-C281-7C3C-471327FD971B}"/>
+              </a:ext>
+            </a:extLst>
+          </p:cNvPr>
+          <p:cNvSpPr txBox="1"/>
+          <p:nvPr/>
+        </p:nvSpPr>
+        <p:spPr>
+          <a:xfrm>
+            <a:off x="10370152" y="6083711"/>
+            <a:ext cx="1821848" cy="557589"/>
+          </a:xfrm>
+          <a:prstGeom prst="rect">
+            <a:avLst/>
+          </a:prstGeom>
+        </p:spPr>
+        <p:txBody>
+          <a:bodyPr wrap="square" lIns="0" tIns="0" rIns="0" bIns="0" rtlCol="0" anchor="t">
+            <a:spAutoFit/>
+          </a:bodyPr>
+          <a:lstStyle/>
+          <a:p>
+            <a:pPr algn="ctr">
+              <a:lnSpc>
+                <a:spcPts val="5190"/>
+              </a:lnSpc>
+              <a:spcBef>
+                <a:spcPct val="0"/>
+              </a:spcBef>
+            </a:pPr>
+            <a:r>
+              <a:rPr lang="en-US" sz="1050" dirty="0">
+                <a:solidFill>
+                  <a:schemeClr val="tx1">
+                    <a:lumMod val="95000"/>
+                    <a:lumOff val="5000"/>
+                  </a:schemeClr>
+                </a:solidFill>
+                <a:latin typeface="Poppins" panose="00000500000000000000" pitchFamily="2" charset="0"/>
+                <a:cs typeface="Poppins" panose="00000500000000000000" pitchFamily="2" charset="0"/>
+                <a:hlinkClick r:id="rId4">
+                  <a:extLst>
+                    <a:ext uri="{A12FA001-AC4F-418D-AE19-62706E023703}">
+                      <ahyp:hlinkClr xmlns:ahyp="http://schemas.microsoft.com/office/drawing/2018/hyperlinkcolor" val="tx"/>
+                    </a:ext>
+                  </a:extLst>
+                </a:hlinkClick>
+              </a:rPr>
+              <a:t>@mmsalmanfaris</a:t>
+            </a:r>
+            <a:endParaRPr lang="en-US" sz="1050" dirty="0">
+              <a:solidFill>
+                <a:schemeClr val="tx1">
+                  <a:lumMod val="95000"/>
+                  <a:lumOff val="5000"/>
+                </a:schemeClr>
+              </a:solidFill>
+              <a:latin typeface="Poppins" panose="00000500000000000000" pitchFamily="2" charset="0"/>
+              <a:cs typeface="Poppins" panose="00000500000000000000" pitchFamily="2" charset="0"/>
+            </a:endParaRPr>
+          </a:p>
+        </p:txBody>
+      </p:sp>
+    </p:spTree>
+    <p:extLst>
+      <p:ext uri="{BB962C8B-B14F-4D97-AF65-F5344CB8AC3E}">
+        <p14:creationId xmlns:p14="http://schemas.microsoft.com/office/powerpoint/2010/main" val="1519165799"/>
+      </p:ext>
+    </p:extLst>
+  </p:cSld>
+  <p:clrMapOvr>
+    <a:masterClrMapping/>
+  </p:clrMapOvr>
+  <mc:AlternateContent xmlns:mc="http://schemas.openxmlformats.org/markup-compatibility/2006" xmlns:p14="http://schemas.microsoft.com/office/powerpoint/2010/main">
+    <mc:Choice Requires="p14">
+      <p:transition spd="med" p14:dur="700">
+        <p:fade/>
+      </p:transition>
+    </mc:Choice>
+    <mc:Fallback xmlns="">
+      <p:transition spd="med">
+        <p:fade/>
+      </p:transition>
+    </mc:Fallback>
+  </mc:AlternateContent>
+</p:sld>
+</file>
+
+<file path=ppt/slides/slide18.xml><?xml version="1.0" encoding="utf-8"?>
+<p:sld xmlns:a="http://schemas.openxmlformats.org/drawingml/2006/main" xmlns:r="http://schemas.openxmlformats.org/officeDocument/2006/relationships" xmlns:p="http://schemas.openxmlformats.org/presentationml/2006/main">
+  <p:cSld>
+    <p:spTree>
+      <p:nvGrpSpPr>
+        <p:cNvPr id="1" name=""/>
+        <p:cNvGrpSpPr/>
+        <p:nvPr/>
+      </p:nvGrpSpPr>
+      <p:grpSpPr>
+        <a:xfrm>
+          <a:off x="0" y="0"/>
+          <a:ext cx="0" cy="0"/>
+          <a:chOff x="0" y="0"/>
+          <a:chExt cx="0" cy="0"/>
+        </a:xfrm>
+      </p:grpSpPr>
+      <p:sp>
+        <p:nvSpPr>
           <p:cNvPr id="3" name="Rectangle 2">
             <a:extLst>
               <a:ext uri="{FF2B5EF4-FFF2-40B4-BE49-F238E27FC236}">
@@ -8414,7 +9468,7 @@
 </p:sld>
 </file>
 
-<file path=ppt/slides/slide17.xml><?xml version="1.0" encoding="utf-8"?>
+<file path=ppt/slides/slide19.xml><?xml version="1.0" encoding="utf-8"?>
 <p:sld xmlns:a="http://schemas.openxmlformats.org/drawingml/2006/main" xmlns:r="http://schemas.openxmlformats.org/officeDocument/2006/relationships" xmlns:p="http://schemas.openxmlformats.org/presentationml/2006/main">
   <p:cSld>
     <p:spTree>
@@ -8753,7 +9807,269 @@
 </p:sld>
 </file>
 
-<file path=ppt/slides/slide18.xml><?xml version="1.0" encoding="utf-8"?>
+<file path=ppt/slides/slide2.xml><?xml version="1.0" encoding="utf-8"?>
+<p:sld xmlns:a="http://schemas.openxmlformats.org/drawingml/2006/main" xmlns:r="http://schemas.openxmlformats.org/officeDocument/2006/relationships" xmlns:p="http://schemas.openxmlformats.org/presentationml/2006/main">
+  <p:cSld>
+    <p:bg>
+      <p:bgPr>
+        <a:solidFill>
+          <a:schemeClr val="bg1"/>
+        </a:solidFill>
+        <a:effectLst/>
+      </p:bgPr>
+    </p:bg>
+    <p:spTree>
+      <p:nvGrpSpPr>
+        <p:cNvPr id="1" name=""/>
+        <p:cNvGrpSpPr/>
+        <p:nvPr/>
+      </p:nvGrpSpPr>
+      <p:grpSpPr>
+        <a:xfrm>
+          <a:off x="0" y="0"/>
+          <a:ext cx="0" cy="0"/>
+          <a:chOff x="0" y="0"/>
+          <a:chExt cx="0" cy="0"/>
+        </a:xfrm>
+      </p:grpSpPr>
+      <p:sp>
+        <p:nvSpPr>
+          <p:cNvPr id="5" name="Rectangle 4">
+            <a:extLst>
+              <a:ext uri="{FF2B5EF4-FFF2-40B4-BE49-F238E27FC236}">
+                <a16:creationId xmlns:a16="http://schemas.microsoft.com/office/drawing/2014/main" id="{1FC0F049-99B5-9E68-3736-5FA500D10728}"/>
+              </a:ext>
+            </a:extLst>
+          </p:cNvPr>
+          <p:cNvSpPr/>
+          <p:nvPr/>
+        </p:nvSpPr>
+        <p:spPr>
+          <a:xfrm>
+            <a:off x="6096001" y="0"/>
+            <a:ext cx="6096000" cy="6858000"/>
+          </a:xfrm>
+          <a:prstGeom prst="rect">
+            <a:avLst/>
+          </a:prstGeom>
+          <a:solidFill>
+            <a:schemeClr val="tx1"/>
+          </a:solidFill>
+        </p:spPr>
+        <p:style>
+          <a:lnRef idx="2">
+            <a:schemeClr val="accent1">
+              <a:shade val="15000"/>
+            </a:schemeClr>
+          </a:lnRef>
+          <a:fillRef idx="1">
+            <a:schemeClr val="accent1"/>
+          </a:fillRef>
+          <a:effectRef idx="0">
+            <a:schemeClr val="accent1"/>
+          </a:effectRef>
+          <a:fontRef idx="minor">
+            <a:schemeClr val="lt1"/>
+          </a:fontRef>
+        </p:style>
+        <p:txBody>
+          <a:bodyPr rtlCol="0" anchor="ctr"/>
+          <a:lstStyle/>
+          <a:p>
+            <a:pPr algn="ctr"/>
+            <a:endParaRPr lang="en-US"/>
+          </a:p>
+        </p:txBody>
+      </p:sp>
+      <p:pic>
+        <p:nvPicPr>
+          <p:cNvPr id="6" name="Picture 2" descr="See the source image">
+            <a:extLst>
+              <a:ext uri="{FF2B5EF4-FFF2-40B4-BE49-F238E27FC236}">
+                <a16:creationId xmlns:a16="http://schemas.microsoft.com/office/drawing/2014/main" id="{83A4A559-DF02-D951-86D0-6AB89B288FE2}"/>
+              </a:ext>
+            </a:extLst>
+          </p:cNvPr>
+          <p:cNvPicPr>
+            <a:picLocks noChangeAspect="1" noChangeArrowheads="1"/>
+          </p:cNvPicPr>
+          <p:nvPr/>
+        </p:nvPicPr>
+        <p:blipFill>
+          <a:blip r:embed="rId3">
+            <a:lum bright="70000" contrast="-70000"/>
+            <a:alphaModFix/>
+            <a:extLst>
+              <a:ext uri="{BEBA8EAE-BF5A-486C-A8C5-ECC9F3942E4B}">
+                <a14:imgProps xmlns:a14="http://schemas.microsoft.com/office/drawing/2010/main">
+                  <a14:imgLayer r:embed="rId4">
+                    <a14:imgEffect>
+                      <a14:sharpenSoften amount="50000"/>
+                    </a14:imgEffect>
+                    <a14:imgEffect>
+                      <a14:brightnessContrast bright="40000" contrast="40000"/>
+                    </a14:imgEffect>
+                  </a14:imgLayer>
+                </a14:imgProps>
+              </a:ext>
+              <a:ext uri="{28A0092B-C50C-407E-A947-70E740481C1C}">
+                <a14:useLocalDpi xmlns:a14="http://schemas.microsoft.com/office/drawing/2010/main" val="0"/>
+              </a:ext>
+            </a:extLst>
+          </a:blip>
+          <a:srcRect/>
+          <a:stretch>
+            <a:fillRect/>
+          </a:stretch>
+        </p:blipFill>
+        <p:spPr bwMode="auto">
+          <a:xfrm>
+            <a:off x="7426749" y="1768757"/>
+            <a:ext cx="3434504" cy="3102040"/>
+          </a:xfrm>
+          <a:prstGeom prst="rect">
+            <a:avLst/>
+          </a:prstGeom>
+          <a:noFill/>
+          <a:extLst>
+            <a:ext uri="{909E8E84-426E-40DD-AFC4-6F175D3DCCD1}">
+              <a14:hiddenFill xmlns:a14="http://schemas.microsoft.com/office/drawing/2010/main">
+                <a:solidFill>
+                  <a:srgbClr val="FFFFFF"/>
+                </a:solidFill>
+              </a14:hiddenFill>
+            </a:ext>
+          </a:extLst>
+        </p:spPr>
+      </p:pic>
+      <p:pic>
+        <p:nvPicPr>
+          <p:cNvPr id="7" name="Picture 6" descr="Logo&#10;&#10;Description automatically generated">
+            <a:extLst>
+              <a:ext uri="{FF2B5EF4-FFF2-40B4-BE49-F238E27FC236}">
+                <a16:creationId xmlns:a16="http://schemas.microsoft.com/office/drawing/2014/main" id="{32ED0C48-B1E8-ADED-4F13-749FFA787979}"/>
+              </a:ext>
+            </a:extLst>
+          </p:cNvPr>
+          <p:cNvPicPr>
+            <a:picLocks noChangeAspect="1"/>
+          </p:cNvPicPr>
+          <p:nvPr/>
+        </p:nvPicPr>
+        <p:blipFill rotWithShape="1">
+          <a:blip r:embed="rId5"/>
+          <a:srcRect t="27155" b="27238"/>
+          <a:stretch/>
+        </p:blipFill>
+        <p:spPr>
+          <a:xfrm>
+            <a:off x="798821" y="2483348"/>
+            <a:ext cx="4146979" cy="1891303"/>
+          </a:xfrm>
+          <a:prstGeom prst="rect">
+            <a:avLst/>
+          </a:prstGeom>
+        </p:spPr>
+      </p:pic>
+      <p:sp>
+        <p:nvSpPr>
+          <p:cNvPr id="2" name="TextBox 23">
+            <a:hlinkClick r:id="rId6"/>
+            <a:extLst>
+              <a:ext uri="{FF2B5EF4-FFF2-40B4-BE49-F238E27FC236}">
+                <a16:creationId xmlns:a16="http://schemas.microsoft.com/office/drawing/2014/main" id="{29CD5218-5AFB-0DBA-7A9D-988637B6538D}"/>
+              </a:ext>
+            </a:extLst>
+          </p:cNvPr>
+          <p:cNvSpPr txBox="1"/>
+          <p:nvPr/>
+        </p:nvSpPr>
+        <p:spPr>
+          <a:xfrm>
+            <a:off x="10370152" y="6083711"/>
+            <a:ext cx="1821848" cy="557589"/>
+          </a:xfrm>
+          <a:prstGeom prst="rect">
+            <a:avLst/>
+          </a:prstGeom>
+        </p:spPr>
+        <p:txBody>
+          <a:bodyPr wrap="square" lIns="0" tIns="0" rIns="0" bIns="0" rtlCol="0" anchor="t">
+            <a:spAutoFit/>
+          </a:bodyPr>
+          <a:lstStyle/>
+          <a:p>
+            <a:pPr algn="ctr">
+              <a:lnSpc>
+                <a:spcPts val="5190"/>
+              </a:lnSpc>
+              <a:spcBef>
+                <a:spcPct val="0"/>
+              </a:spcBef>
+            </a:pPr>
+            <a:r>
+              <a:rPr lang="en-US" sz="1050" dirty="0">
+                <a:solidFill>
+                  <a:schemeClr val="bg1"/>
+                </a:solidFill>
+                <a:latin typeface="Poppins" panose="00000500000000000000" pitchFamily="2" charset="0"/>
+                <a:cs typeface="Poppins" panose="00000500000000000000" pitchFamily="2" charset="0"/>
+              </a:rPr>
+              <a:t>@</a:t>
+            </a:r>
+            <a:r>
+              <a:rPr lang="en-US" sz="1050" dirty="0">
+                <a:solidFill>
+                  <a:schemeClr val="bg1"/>
+                </a:solidFill>
+                <a:latin typeface="Poppins" panose="00000500000000000000" pitchFamily="2" charset="0"/>
+                <a:cs typeface="Poppins" panose="00000500000000000000" pitchFamily="2" charset="0"/>
+                <a:hlinkClick r:id="rId7">
+                  <a:extLst>
+                    <a:ext uri="{A12FA001-AC4F-418D-AE19-62706E023703}">
+                      <ahyp:hlinkClr xmlns:ahyp="http://schemas.microsoft.com/office/drawing/2018/hyperlinkcolor" val="tx"/>
+                    </a:ext>
+                  </a:extLst>
+                </a:hlinkClick>
+              </a:rPr>
+              <a:t>mmsalmanfaris</a:t>
+            </a:r>
+            <a:endParaRPr lang="en-US" sz="1050" dirty="0">
+              <a:solidFill>
+                <a:schemeClr val="bg1"/>
+              </a:solidFill>
+              <a:latin typeface="Poppins" panose="00000500000000000000" pitchFamily="2" charset="0"/>
+              <a:cs typeface="Poppins" panose="00000500000000000000" pitchFamily="2" charset="0"/>
+            </a:endParaRPr>
+          </a:p>
+        </p:txBody>
+      </p:sp>
+    </p:spTree>
+    <p:extLst>
+      <p:ext uri="{BB962C8B-B14F-4D97-AF65-F5344CB8AC3E}">
+        <p14:creationId xmlns:p14="http://schemas.microsoft.com/office/powerpoint/2010/main" val="1040153031"/>
+      </p:ext>
+    </p:extLst>
+  </p:cSld>
+  <p:clrMapOvr>
+    <a:masterClrMapping/>
+  </p:clrMapOvr>
+  <mc:AlternateContent xmlns:mc="http://schemas.openxmlformats.org/markup-compatibility/2006" xmlns:p14="http://schemas.microsoft.com/office/powerpoint/2010/main">
+    <mc:Choice Requires="p14">
+      <p:transition spd="med" p14:dur="700">
+        <p:fade/>
+      </p:transition>
+    </mc:Choice>
+    <mc:Fallback xmlns="">
+      <p:transition spd="med">
+        <p:fade/>
+      </p:transition>
+    </mc:Fallback>
+  </mc:AlternateContent>
+</p:sld>
+</file>
+
+<file path=ppt/slides/slide20.xml><?xml version="1.0" encoding="utf-8"?>
 <p:sld xmlns:a="http://schemas.openxmlformats.org/drawingml/2006/main" xmlns:r="http://schemas.openxmlformats.org/officeDocument/2006/relationships" xmlns:p="http://schemas.openxmlformats.org/presentationml/2006/main">
   <p:cSld>
     <p:spTree>
@@ -10047,7 +11363,203 @@
 </p:sld>
 </file>
 
-<file path=ppt/slides/slide19.xml><?xml version="1.0" encoding="utf-8"?>
+<file path=ppt/slides/slide21.xml><?xml version="1.0" encoding="utf-8"?>
+<p:sld xmlns:a="http://schemas.openxmlformats.org/drawingml/2006/main" xmlns:r="http://schemas.openxmlformats.org/officeDocument/2006/relationships" xmlns:p="http://schemas.openxmlformats.org/presentationml/2006/main">
+  <p:cSld>
+    <p:spTree>
+      <p:nvGrpSpPr>
+        <p:cNvPr id="1" name=""/>
+        <p:cNvGrpSpPr/>
+        <p:nvPr/>
+      </p:nvGrpSpPr>
+      <p:grpSpPr>
+        <a:xfrm>
+          <a:off x="0" y="0"/>
+          <a:ext cx="0" cy="0"/>
+          <a:chOff x="0" y="0"/>
+          <a:chExt cx="0" cy="0"/>
+        </a:xfrm>
+      </p:grpSpPr>
+      <p:sp>
+        <p:nvSpPr>
+          <p:cNvPr id="12" name="Rectangle 11">
+            <a:extLst>
+              <a:ext uri="{FF2B5EF4-FFF2-40B4-BE49-F238E27FC236}">
+                <a16:creationId xmlns:a16="http://schemas.microsoft.com/office/drawing/2014/main" id="{D69BF67F-0BE1-C2E2-B54D-5B453A5CA09C}"/>
+              </a:ext>
+            </a:extLst>
+          </p:cNvPr>
+          <p:cNvSpPr/>
+          <p:nvPr/>
+        </p:nvSpPr>
+        <p:spPr>
+          <a:xfrm>
+            <a:off x="-344129" y="-422787"/>
+            <a:ext cx="12644284" cy="7393858"/>
+          </a:xfrm>
+          <a:prstGeom prst="rect">
+            <a:avLst/>
+          </a:prstGeom>
+          <a:solidFill>
+            <a:srgbClr val="252525"/>
+          </a:solidFill>
+        </p:spPr>
+        <p:style>
+          <a:lnRef idx="2">
+            <a:schemeClr val="dk1">
+              <a:shade val="15000"/>
+            </a:schemeClr>
+          </a:lnRef>
+          <a:fillRef idx="1">
+            <a:schemeClr val="dk1"/>
+          </a:fillRef>
+          <a:effectRef idx="0">
+            <a:schemeClr val="dk1"/>
+          </a:effectRef>
+          <a:fontRef idx="minor">
+            <a:schemeClr val="lt1"/>
+          </a:fontRef>
+        </p:style>
+        <p:txBody>
+          <a:bodyPr rtlCol="0" anchor="ctr"/>
+          <a:lstStyle/>
+          <a:p>
+            <a:pPr algn="ctr"/>
+            <a:endParaRPr lang="en-US">
+              <a:latin typeface="Poppins" panose="00000500000000000000" pitchFamily="2" charset="0"/>
+              <a:cs typeface="Poppins" panose="00000500000000000000" pitchFamily="2" charset="0"/>
+            </a:endParaRPr>
+          </a:p>
+        </p:txBody>
+      </p:sp>
+      <p:pic>
+        <p:nvPicPr>
+          <p:cNvPr id="9" name="Picture 8">
+            <a:extLst>
+              <a:ext uri="{FF2B5EF4-FFF2-40B4-BE49-F238E27FC236}">
+                <a16:creationId xmlns:a16="http://schemas.microsoft.com/office/drawing/2014/main" id="{6F9E4FCB-1459-A3E9-0DA5-1FACB90B18E6}"/>
+              </a:ext>
+            </a:extLst>
+          </p:cNvPr>
+          <p:cNvPicPr>
+            <a:picLocks noChangeAspect="1"/>
+          </p:cNvPicPr>
+          <p:nvPr/>
+        </p:nvPicPr>
+        <p:blipFill>
+          <a:blip r:embed="rId3"/>
+          <a:stretch>
+            <a:fillRect/>
+          </a:stretch>
+        </p:blipFill>
+        <p:spPr>
+          <a:xfrm>
+            <a:off x="-176981" y="877280"/>
+            <a:ext cx="12368981" cy="5031450"/>
+          </a:xfrm>
+          <a:prstGeom prst="rect">
+            <a:avLst/>
+          </a:prstGeom>
+        </p:spPr>
+      </p:pic>
+    </p:spTree>
+    <p:extLst>
+      <p:ext uri="{BB962C8B-B14F-4D97-AF65-F5344CB8AC3E}">
+        <p14:creationId xmlns:p14="http://schemas.microsoft.com/office/powerpoint/2010/main" val="896039831"/>
+      </p:ext>
+    </p:extLst>
+  </p:cSld>
+  <p:clrMapOvr>
+    <a:masterClrMapping/>
+  </p:clrMapOvr>
+  <mc:AlternateContent xmlns:mc="http://schemas.openxmlformats.org/markup-compatibility/2006" xmlns:p14="http://schemas.microsoft.com/office/powerpoint/2010/main">
+    <mc:Choice Requires="p14">
+      <p:transition spd="med" p14:dur="700">
+        <p:fade/>
+      </p:transition>
+    </mc:Choice>
+    <mc:Fallback xmlns="">
+      <p:transition spd="med">
+        <p:fade/>
+      </p:transition>
+    </mc:Fallback>
+  </mc:AlternateContent>
+</p:sld>
+</file>
+
+<file path=ppt/slides/slide22.xml><?xml version="1.0" encoding="utf-8"?>
+<p:sld xmlns:a="http://schemas.openxmlformats.org/drawingml/2006/main" xmlns:r="http://schemas.openxmlformats.org/officeDocument/2006/relationships" xmlns:p="http://schemas.openxmlformats.org/presentationml/2006/main">
+  <p:cSld>
+    <p:spTree>
+      <p:nvGrpSpPr>
+        <p:cNvPr id="1" name=""/>
+        <p:cNvGrpSpPr/>
+        <p:nvPr/>
+      </p:nvGrpSpPr>
+      <p:grpSpPr>
+        <a:xfrm>
+          <a:off x="0" y="0"/>
+          <a:ext cx="0" cy="0"/>
+          <a:chOff x="0" y="0"/>
+          <a:chExt cx="0" cy="0"/>
+        </a:xfrm>
+      </p:grpSpPr>
+      <p:pic>
+        <p:nvPicPr>
+          <p:cNvPr id="3" name="Picture 2" descr="A diagram of a branch strategy&#10;&#10;Description automatically generated">
+            <a:extLst>
+              <a:ext uri="{FF2B5EF4-FFF2-40B4-BE49-F238E27FC236}">
+                <a16:creationId xmlns:a16="http://schemas.microsoft.com/office/drawing/2014/main" id="{4AB4EA9F-58CB-4CD2-8044-C2A22F683F97}"/>
+              </a:ext>
+            </a:extLst>
+          </p:cNvPr>
+          <p:cNvPicPr>
+            <a:picLocks noChangeAspect="1"/>
+          </p:cNvPicPr>
+          <p:nvPr/>
+        </p:nvPicPr>
+        <p:blipFill>
+          <a:blip r:embed="rId3"/>
+          <a:stretch>
+            <a:fillRect/>
+          </a:stretch>
+        </p:blipFill>
+        <p:spPr>
+          <a:xfrm>
+            <a:off x="0" y="851263"/>
+            <a:ext cx="12192000" cy="5155474"/>
+          </a:xfrm>
+          <a:prstGeom prst="rect">
+            <a:avLst/>
+          </a:prstGeom>
+        </p:spPr>
+      </p:pic>
+    </p:spTree>
+    <p:extLst>
+      <p:ext uri="{BB962C8B-B14F-4D97-AF65-F5344CB8AC3E}">
+        <p14:creationId xmlns:p14="http://schemas.microsoft.com/office/powerpoint/2010/main" val="1059819184"/>
+      </p:ext>
+    </p:extLst>
+  </p:cSld>
+  <p:clrMapOvr>
+    <a:masterClrMapping/>
+  </p:clrMapOvr>
+  <mc:AlternateContent xmlns:mc="http://schemas.openxmlformats.org/markup-compatibility/2006" xmlns:p14="http://schemas.microsoft.com/office/powerpoint/2010/main">
+    <mc:Choice Requires="p14">
+      <p:transition spd="med" p14:dur="700">
+        <p:fade/>
+      </p:transition>
+    </mc:Choice>
+    <mc:Fallback xmlns="">
+      <p:transition spd="med">
+        <p:fade/>
+      </p:transition>
+    </mc:Fallback>
+  </mc:AlternateContent>
+</p:sld>
+</file>
+
+<file path=ppt/slides/slide23.xml><?xml version="1.0" encoding="utf-8"?>
 <p:sld xmlns:a="http://schemas.openxmlformats.org/drawingml/2006/main" xmlns:r="http://schemas.openxmlformats.org/officeDocument/2006/relationships" xmlns:p="http://schemas.openxmlformats.org/presentationml/2006/main">
   <p:cSld>
     <p:spTree>
@@ -10509,268 +12021,6 @@
   <p:clrMapOvr>
     <a:masterClrMapping/>
   </p:clrMapOvr>
-</p:sld>
-</file>
-
-<file path=ppt/slides/slide2.xml><?xml version="1.0" encoding="utf-8"?>
-<p:sld xmlns:a="http://schemas.openxmlformats.org/drawingml/2006/main" xmlns:r="http://schemas.openxmlformats.org/officeDocument/2006/relationships" xmlns:p="http://schemas.openxmlformats.org/presentationml/2006/main">
-  <p:cSld>
-    <p:bg>
-      <p:bgPr>
-        <a:solidFill>
-          <a:schemeClr val="bg1"/>
-        </a:solidFill>
-        <a:effectLst/>
-      </p:bgPr>
-    </p:bg>
-    <p:spTree>
-      <p:nvGrpSpPr>
-        <p:cNvPr id="1" name=""/>
-        <p:cNvGrpSpPr/>
-        <p:nvPr/>
-      </p:nvGrpSpPr>
-      <p:grpSpPr>
-        <a:xfrm>
-          <a:off x="0" y="0"/>
-          <a:ext cx="0" cy="0"/>
-          <a:chOff x="0" y="0"/>
-          <a:chExt cx="0" cy="0"/>
-        </a:xfrm>
-      </p:grpSpPr>
-      <p:sp>
-        <p:nvSpPr>
-          <p:cNvPr id="5" name="Rectangle 4">
-            <a:extLst>
-              <a:ext uri="{FF2B5EF4-FFF2-40B4-BE49-F238E27FC236}">
-                <a16:creationId xmlns:a16="http://schemas.microsoft.com/office/drawing/2014/main" id="{1FC0F049-99B5-9E68-3736-5FA500D10728}"/>
-              </a:ext>
-            </a:extLst>
-          </p:cNvPr>
-          <p:cNvSpPr/>
-          <p:nvPr/>
-        </p:nvSpPr>
-        <p:spPr>
-          <a:xfrm>
-            <a:off x="6096001" y="0"/>
-            <a:ext cx="6096000" cy="6858000"/>
-          </a:xfrm>
-          <a:prstGeom prst="rect">
-            <a:avLst/>
-          </a:prstGeom>
-          <a:solidFill>
-            <a:schemeClr val="tx1"/>
-          </a:solidFill>
-        </p:spPr>
-        <p:style>
-          <a:lnRef idx="2">
-            <a:schemeClr val="accent1">
-              <a:shade val="15000"/>
-            </a:schemeClr>
-          </a:lnRef>
-          <a:fillRef idx="1">
-            <a:schemeClr val="accent1"/>
-          </a:fillRef>
-          <a:effectRef idx="0">
-            <a:schemeClr val="accent1"/>
-          </a:effectRef>
-          <a:fontRef idx="minor">
-            <a:schemeClr val="lt1"/>
-          </a:fontRef>
-        </p:style>
-        <p:txBody>
-          <a:bodyPr rtlCol="0" anchor="ctr"/>
-          <a:lstStyle/>
-          <a:p>
-            <a:pPr algn="ctr"/>
-            <a:endParaRPr lang="en-US"/>
-          </a:p>
-        </p:txBody>
-      </p:sp>
-      <p:pic>
-        <p:nvPicPr>
-          <p:cNvPr id="6" name="Picture 2" descr="See the source image">
-            <a:extLst>
-              <a:ext uri="{FF2B5EF4-FFF2-40B4-BE49-F238E27FC236}">
-                <a16:creationId xmlns:a16="http://schemas.microsoft.com/office/drawing/2014/main" id="{83A4A559-DF02-D951-86D0-6AB89B288FE2}"/>
-              </a:ext>
-            </a:extLst>
-          </p:cNvPr>
-          <p:cNvPicPr>
-            <a:picLocks noChangeAspect="1" noChangeArrowheads="1"/>
-          </p:cNvPicPr>
-          <p:nvPr/>
-        </p:nvPicPr>
-        <p:blipFill>
-          <a:blip r:embed="rId3">
-            <a:lum bright="70000" contrast="-70000"/>
-            <a:alphaModFix/>
-            <a:extLst>
-              <a:ext uri="{BEBA8EAE-BF5A-486C-A8C5-ECC9F3942E4B}">
-                <a14:imgProps xmlns:a14="http://schemas.microsoft.com/office/drawing/2010/main">
-                  <a14:imgLayer r:embed="rId4">
-                    <a14:imgEffect>
-                      <a14:sharpenSoften amount="50000"/>
-                    </a14:imgEffect>
-                    <a14:imgEffect>
-                      <a14:brightnessContrast bright="40000" contrast="40000"/>
-                    </a14:imgEffect>
-                  </a14:imgLayer>
-                </a14:imgProps>
-              </a:ext>
-              <a:ext uri="{28A0092B-C50C-407E-A947-70E740481C1C}">
-                <a14:useLocalDpi xmlns:a14="http://schemas.microsoft.com/office/drawing/2010/main" val="0"/>
-              </a:ext>
-            </a:extLst>
-          </a:blip>
-          <a:srcRect/>
-          <a:stretch>
-            <a:fillRect/>
-          </a:stretch>
-        </p:blipFill>
-        <p:spPr bwMode="auto">
-          <a:xfrm>
-            <a:off x="7426749" y="1768757"/>
-            <a:ext cx="3434504" cy="3102040"/>
-          </a:xfrm>
-          <a:prstGeom prst="rect">
-            <a:avLst/>
-          </a:prstGeom>
-          <a:noFill/>
-          <a:extLst>
-            <a:ext uri="{909E8E84-426E-40DD-AFC4-6F175D3DCCD1}">
-              <a14:hiddenFill xmlns:a14="http://schemas.microsoft.com/office/drawing/2010/main">
-                <a:solidFill>
-                  <a:srgbClr val="FFFFFF"/>
-                </a:solidFill>
-              </a14:hiddenFill>
-            </a:ext>
-          </a:extLst>
-        </p:spPr>
-      </p:pic>
-      <p:pic>
-        <p:nvPicPr>
-          <p:cNvPr id="7" name="Picture 6" descr="Logo&#10;&#10;Description automatically generated">
-            <a:extLst>
-              <a:ext uri="{FF2B5EF4-FFF2-40B4-BE49-F238E27FC236}">
-                <a16:creationId xmlns:a16="http://schemas.microsoft.com/office/drawing/2014/main" id="{32ED0C48-B1E8-ADED-4F13-749FFA787979}"/>
-              </a:ext>
-            </a:extLst>
-          </p:cNvPr>
-          <p:cNvPicPr>
-            <a:picLocks noChangeAspect="1"/>
-          </p:cNvPicPr>
-          <p:nvPr/>
-        </p:nvPicPr>
-        <p:blipFill rotWithShape="1">
-          <a:blip r:embed="rId5"/>
-          <a:srcRect t="27155" b="27238"/>
-          <a:stretch/>
-        </p:blipFill>
-        <p:spPr>
-          <a:xfrm>
-            <a:off x="798821" y="2483348"/>
-            <a:ext cx="4146979" cy="1891303"/>
-          </a:xfrm>
-          <a:prstGeom prst="rect">
-            <a:avLst/>
-          </a:prstGeom>
-        </p:spPr>
-      </p:pic>
-      <p:sp>
-        <p:nvSpPr>
-          <p:cNvPr id="2" name="TextBox 23">
-            <a:hlinkClick r:id="rId6"/>
-            <a:extLst>
-              <a:ext uri="{FF2B5EF4-FFF2-40B4-BE49-F238E27FC236}">
-                <a16:creationId xmlns:a16="http://schemas.microsoft.com/office/drawing/2014/main" id="{29CD5218-5AFB-0DBA-7A9D-988637B6538D}"/>
-              </a:ext>
-            </a:extLst>
-          </p:cNvPr>
-          <p:cNvSpPr txBox="1"/>
-          <p:nvPr/>
-        </p:nvSpPr>
-        <p:spPr>
-          <a:xfrm>
-            <a:off x="10370152" y="6083711"/>
-            <a:ext cx="1821848" cy="557589"/>
-          </a:xfrm>
-          <a:prstGeom prst="rect">
-            <a:avLst/>
-          </a:prstGeom>
-        </p:spPr>
-        <p:txBody>
-          <a:bodyPr wrap="square" lIns="0" tIns="0" rIns="0" bIns="0" rtlCol="0" anchor="t">
-            <a:spAutoFit/>
-          </a:bodyPr>
-          <a:lstStyle/>
-          <a:p>
-            <a:pPr algn="ctr">
-              <a:lnSpc>
-                <a:spcPts val="5190"/>
-              </a:lnSpc>
-              <a:spcBef>
-                <a:spcPct val="0"/>
-              </a:spcBef>
-            </a:pPr>
-            <a:r>
-              <a:rPr lang="en-US" sz="1050" dirty="0">
-                <a:solidFill>
-                  <a:schemeClr val="bg1"/>
-                </a:solidFill>
-                <a:latin typeface="Poppins" panose="00000500000000000000" pitchFamily="2" charset="0"/>
-                <a:cs typeface="Poppins" panose="00000500000000000000" pitchFamily="2" charset="0"/>
-              </a:rPr>
-              <a:t>@</a:t>
-            </a:r>
-            <a:r>
-              <a:rPr lang="en-US" sz="1050" dirty="0">
-                <a:solidFill>
-                  <a:schemeClr val="bg1"/>
-                </a:solidFill>
-                <a:latin typeface="Poppins" panose="00000500000000000000" pitchFamily="2" charset="0"/>
-                <a:cs typeface="Poppins" panose="00000500000000000000" pitchFamily="2" charset="0"/>
-                <a:hlinkClick r:id="rId7">
-                  <a:extLst>
-                    <a:ext uri="{A12FA001-AC4F-418D-AE19-62706E023703}">
-                      <ahyp:hlinkClr xmlns:ahyp="http://schemas.microsoft.com/office/drawing/2018/hyperlinkcolor" val="tx"/>
-                    </a:ext>
-                  </a:extLst>
-                </a:hlinkClick>
-              </a:rPr>
-              <a:t>mmsalmanfaris</a:t>
-            </a:r>
-            <a:endParaRPr lang="en-US" sz="1050" dirty="0">
-              <a:solidFill>
-                <a:schemeClr val="bg1"/>
-              </a:solidFill>
-              <a:latin typeface="Poppins" panose="00000500000000000000" pitchFamily="2" charset="0"/>
-              <a:cs typeface="Poppins" panose="00000500000000000000" pitchFamily="2" charset="0"/>
-            </a:endParaRPr>
-          </a:p>
-        </p:txBody>
-      </p:sp>
-    </p:spTree>
-    <p:extLst>
-      <p:ext uri="{BB962C8B-B14F-4D97-AF65-F5344CB8AC3E}">
-        <p14:creationId xmlns:p14="http://schemas.microsoft.com/office/powerpoint/2010/main" val="1040153031"/>
-      </p:ext>
-    </p:extLst>
-  </p:cSld>
-  <p:clrMapOvr>
-    <a:masterClrMapping/>
-  </p:clrMapOvr>
-  <mc:AlternateContent xmlns:mc="http://schemas.openxmlformats.org/markup-compatibility/2006" xmlns:p14="http://schemas.microsoft.com/office/powerpoint/2010/main">
-    <mc:Choice Requires="p14">
-      <p:transition spd="med" p14:dur="700">
-        <p:fade/>
-      </p:transition>
-    </mc:Choice>
-    <mc:Fallback xmlns="">
-      <p:transition spd="med">
-        <p:fade/>
-      </p:transition>
-    </mc:Fallback>
-  </mc:AlternateContent>
 </p:sld>
 </file>
 
@@ -11265,7 +12515,7 @@
                   <a:latin typeface="Poppins" panose="00000500000000000000" pitchFamily="2" charset="0"/>
                   <a:cs typeface="Poppins" panose="00000500000000000000" pitchFamily="2" charset="0"/>
                 </a:rPr>
-                <a:t>Time</a:t>
+                <a:t>When</a:t>
               </a:r>
             </a:p>
           </p:txBody>
@@ -11454,7 +12704,7 @@
                   <a:latin typeface="Poppins" panose="00000500000000000000" pitchFamily="2" charset="0"/>
                   <a:cs typeface="Poppins" panose="00000500000000000000" pitchFamily="2" charset="0"/>
                 </a:rPr>
-                <a:t>Who took it</a:t>
+                <a:t>Who</a:t>
               </a:r>
             </a:p>
           </p:txBody>
@@ -11596,7 +12846,7 @@
                   <a:latin typeface="Poppins" panose="00000500000000000000" pitchFamily="2" charset="0"/>
                   <a:cs typeface="Poppins" panose="00000500000000000000" pitchFamily="2" charset="0"/>
                 </a:rPr>
-                <a:t>Location </a:t>
+                <a:t>Where </a:t>
               </a:r>
             </a:p>
           </p:txBody>
@@ -12753,6 +14003,143 @@
     <p:bg>
       <p:bgPr>
         <a:solidFill>
+          <a:schemeClr val="bg1"/>
+        </a:solidFill>
+        <a:effectLst/>
+      </p:bgPr>
+    </p:bg>
+    <p:spTree>
+      <p:nvGrpSpPr>
+        <p:cNvPr id="1" name=""/>
+        <p:cNvGrpSpPr/>
+        <p:nvPr/>
+      </p:nvGrpSpPr>
+      <p:grpSpPr>
+        <a:xfrm>
+          <a:off x="0" y="0"/>
+          <a:ext cx="0" cy="0"/>
+          <a:chOff x="0" y="0"/>
+          <a:chExt cx="0" cy="0"/>
+        </a:xfrm>
+      </p:grpSpPr>
+      <p:sp>
+        <p:nvSpPr>
+          <p:cNvPr id="2" name="TextBox 23">
+            <a:hlinkClick r:id="rId3"/>
+            <a:extLst>
+              <a:ext uri="{FF2B5EF4-FFF2-40B4-BE49-F238E27FC236}">
+                <a16:creationId xmlns:a16="http://schemas.microsoft.com/office/drawing/2014/main" id="{96016BD5-92C3-61BA-5F15-7A6C5F15B7FD}"/>
+              </a:ext>
+            </a:extLst>
+          </p:cNvPr>
+          <p:cNvSpPr txBox="1"/>
+          <p:nvPr/>
+        </p:nvSpPr>
+        <p:spPr>
+          <a:xfrm>
+            <a:off x="10370152" y="6083711"/>
+            <a:ext cx="1821848" cy="557589"/>
+          </a:xfrm>
+          <a:prstGeom prst="rect">
+            <a:avLst/>
+          </a:prstGeom>
+        </p:spPr>
+        <p:txBody>
+          <a:bodyPr wrap="square" lIns="0" tIns="0" rIns="0" bIns="0" rtlCol="0" anchor="t">
+            <a:spAutoFit/>
+          </a:bodyPr>
+          <a:lstStyle/>
+          <a:p>
+            <a:pPr algn="ctr">
+              <a:lnSpc>
+                <a:spcPts val="5190"/>
+              </a:lnSpc>
+              <a:spcBef>
+                <a:spcPct val="0"/>
+              </a:spcBef>
+            </a:pPr>
+            <a:r>
+              <a:rPr lang="en-US" sz="1050" dirty="0">
+                <a:latin typeface="Poppins" panose="00000500000000000000" pitchFamily="2" charset="0"/>
+                <a:cs typeface="Poppins" panose="00000500000000000000" pitchFamily="2" charset="0"/>
+              </a:rPr>
+              <a:t>@mmsalmanfaris</a:t>
+            </a:r>
+          </a:p>
+        </p:txBody>
+      </p:sp>
+      <p:sp>
+        <p:nvSpPr>
+          <p:cNvPr id="4" name="Title 3">
+            <a:extLst>
+              <a:ext uri="{FF2B5EF4-FFF2-40B4-BE49-F238E27FC236}">
+                <a16:creationId xmlns:a16="http://schemas.microsoft.com/office/drawing/2014/main" id="{90586A8C-9754-E7B2-1FCA-CDD8BC0BA9AC}"/>
+              </a:ext>
+            </a:extLst>
+          </p:cNvPr>
+          <p:cNvSpPr>
+            <a:spLocks noGrp="1"/>
+          </p:cNvSpPr>
+          <p:nvPr>
+            <p:ph type="title"/>
+          </p:nvPr>
+        </p:nvSpPr>
+        <p:spPr>
+          <a:xfrm>
+            <a:off x="2126840" y="3091705"/>
+            <a:ext cx="7938319" cy="674589"/>
+          </a:xfrm>
+        </p:spPr>
+        <p:txBody>
+          <a:bodyPr>
+            <a:noAutofit/>
+          </a:bodyPr>
+          <a:lstStyle/>
+          <a:p>
+            <a:r>
+              <a:rPr lang="en-GB" b="1" dirty="0">
+                <a:solidFill>
+                  <a:schemeClr val="tx1"/>
+                </a:solidFill>
+                <a:latin typeface="Poppins" panose="00000500000000000000" pitchFamily="2" charset="0"/>
+                <a:cs typeface="Poppins" panose="00000500000000000000" pitchFamily="2" charset="0"/>
+              </a:rPr>
+              <a:t>Version Control System Video</a:t>
+            </a:r>
+          </a:p>
+        </p:txBody>
+      </p:sp>
+    </p:spTree>
+    <p:extLst>
+      <p:ext uri="{BB962C8B-B14F-4D97-AF65-F5344CB8AC3E}">
+        <p14:creationId xmlns:p14="http://schemas.microsoft.com/office/powerpoint/2010/main" val="4201141673"/>
+      </p:ext>
+    </p:extLst>
+  </p:cSld>
+  <p:clrMapOvr>
+    <a:masterClrMapping/>
+  </p:clrMapOvr>
+  <mc:AlternateContent xmlns:mc="http://schemas.openxmlformats.org/markup-compatibility/2006" xmlns:p14="http://schemas.microsoft.com/office/powerpoint/2010/main">
+    <mc:Choice Requires="p14">
+      <p:transition spd="med" p14:dur="700">
+        <p:fade/>
+      </p:transition>
+    </mc:Choice>
+    <mc:Fallback xmlns="">
+      <p:transition spd="med">
+        <p:fade/>
+      </p:transition>
+    </mc:Fallback>
+  </mc:AlternateContent>
+</p:sld>
+</file>
+
+<file path=ppt/slides/slide7.xml><?xml version="1.0" encoding="utf-8"?>
+<p:sld xmlns:a="http://schemas.openxmlformats.org/drawingml/2006/main" xmlns:r="http://schemas.openxmlformats.org/officeDocument/2006/relationships" xmlns:p="http://schemas.openxmlformats.org/presentationml/2006/main">
+  <p:cSld>
+    <p:bg>
+      <p:bgPr>
+        <a:solidFill>
           <a:schemeClr val="tx1"/>
         </a:solidFill>
         <a:effectLst/>
@@ -13095,7 +14482,7 @@
 </p:sld>
 </file>
 
-<file path=ppt/slides/slide7.xml><?xml version="1.0" encoding="utf-8"?>
+<file path=ppt/slides/slide8.xml><?xml version="1.0" encoding="utf-8"?>
 <p:sld xmlns:a="http://schemas.openxmlformats.org/drawingml/2006/main" xmlns:r="http://schemas.openxmlformats.org/officeDocument/2006/relationships" xmlns:p="http://schemas.openxmlformats.org/presentationml/2006/main">
   <p:cSld>
     <p:spTree>
@@ -13513,7 +14900,7 @@
 </p:sld>
 </file>
 
-<file path=ppt/slides/slide8.xml><?xml version="1.0" encoding="utf-8"?>
+<file path=ppt/slides/slide9.xml><?xml version="1.0" encoding="utf-8"?>
 <p:sld xmlns:a="http://schemas.openxmlformats.org/drawingml/2006/main" xmlns:r="http://schemas.openxmlformats.org/officeDocument/2006/relationships" xmlns:p="http://schemas.openxmlformats.org/presentationml/2006/main">
   <p:cSld>
     <p:bg>
@@ -13674,308 +15061,6 @@
     <p:extLst>
       <p:ext uri="{BB962C8B-B14F-4D97-AF65-F5344CB8AC3E}">
         <p14:creationId xmlns:p14="http://schemas.microsoft.com/office/powerpoint/2010/main" val="2443381803"/>
-      </p:ext>
-    </p:extLst>
-  </p:cSld>
-  <p:clrMapOvr>
-    <a:masterClrMapping/>
-  </p:clrMapOvr>
-  <mc:AlternateContent xmlns:mc="http://schemas.openxmlformats.org/markup-compatibility/2006" xmlns:p14="http://schemas.microsoft.com/office/powerpoint/2010/main">
-    <mc:Choice Requires="p14">
-      <p:transition spd="med" p14:dur="700">
-        <p:fade/>
-      </p:transition>
-    </mc:Choice>
-    <mc:Fallback xmlns="">
-      <p:transition spd="med">
-        <p:fade/>
-      </p:transition>
-    </mc:Fallback>
-  </mc:AlternateContent>
-</p:sld>
-</file>
-
-<file path=ppt/slides/slide9.xml><?xml version="1.0" encoding="utf-8"?>
-<p:sld xmlns:a="http://schemas.openxmlformats.org/drawingml/2006/main" xmlns:r="http://schemas.openxmlformats.org/officeDocument/2006/relationships" xmlns:p="http://schemas.openxmlformats.org/presentationml/2006/main">
-  <p:cSld>
-    <p:spTree>
-      <p:nvGrpSpPr>
-        <p:cNvPr id="1" name=""/>
-        <p:cNvGrpSpPr/>
-        <p:nvPr/>
-      </p:nvGrpSpPr>
-      <p:grpSpPr>
-        <a:xfrm>
-          <a:off x="0" y="0"/>
-          <a:ext cx="0" cy="0"/>
-          <a:chOff x="0" y="0"/>
-          <a:chExt cx="0" cy="0"/>
-        </a:xfrm>
-      </p:grpSpPr>
-      <p:sp>
-        <p:nvSpPr>
-          <p:cNvPr id="2" name="Rectangle 1">
-            <a:extLst>
-              <a:ext uri="{FF2B5EF4-FFF2-40B4-BE49-F238E27FC236}">
-                <a16:creationId xmlns:a16="http://schemas.microsoft.com/office/drawing/2014/main" id="{8DEF97DD-46D4-384C-40CD-8369961EAB8A}"/>
-              </a:ext>
-            </a:extLst>
-          </p:cNvPr>
-          <p:cNvSpPr/>
-          <p:nvPr/>
-        </p:nvSpPr>
-        <p:spPr>
-          <a:xfrm>
-            <a:off x="0" y="0"/>
-            <a:ext cx="12192000" cy="1728216"/>
-          </a:xfrm>
-          <a:prstGeom prst="rect">
-            <a:avLst/>
-          </a:prstGeom>
-        </p:spPr>
-        <p:style>
-          <a:lnRef idx="2">
-            <a:schemeClr val="dk1">
-              <a:shade val="15000"/>
-            </a:schemeClr>
-          </a:lnRef>
-          <a:fillRef idx="1">
-            <a:schemeClr val="dk1"/>
-          </a:fillRef>
-          <a:effectRef idx="0">
-            <a:schemeClr val="dk1"/>
-          </a:effectRef>
-          <a:fontRef idx="minor">
-            <a:schemeClr val="lt1"/>
-          </a:fontRef>
-        </p:style>
-        <p:txBody>
-          <a:bodyPr rtlCol="0" anchor="ctr"/>
-          <a:lstStyle/>
-          <a:p>
-            <a:pPr algn="ctr"/>
-            <a:endParaRPr lang="en-US">
-              <a:latin typeface="Poppins" panose="00000500000000000000" pitchFamily="2" charset="0"/>
-              <a:cs typeface="Poppins" panose="00000500000000000000" pitchFamily="2" charset="0"/>
-            </a:endParaRPr>
-          </a:p>
-        </p:txBody>
-      </p:sp>
-      <p:sp>
-        <p:nvSpPr>
-          <p:cNvPr id="4" name="Title 3"/>
-          <p:cNvSpPr>
-            <a:spLocks noGrp="1"/>
-          </p:cNvSpPr>
-          <p:nvPr>
-            <p:ph type="title"/>
-          </p:nvPr>
-        </p:nvSpPr>
-        <p:spPr>
-          <a:xfrm>
-            <a:off x="914400" y="551521"/>
-            <a:ext cx="10058400" cy="1325563"/>
-          </a:xfrm>
-        </p:spPr>
-        <p:txBody>
-          <a:bodyPr/>
-          <a:lstStyle/>
-          <a:p>
-            <a:r>
-              <a:rPr lang="en-US" b="1" dirty="0">
-                <a:solidFill>
-                  <a:schemeClr val="bg1"/>
-                </a:solidFill>
-                <a:latin typeface="Poppins" panose="00000500000000000000" pitchFamily="2" charset="0"/>
-                <a:cs typeface="Poppins" panose="00000500000000000000" pitchFamily="2" charset="0"/>
-              </a:rPr>
-              <a:t>First-Time Git Configuration</a:t>
-            </a:r>
-          </a:p>
-        </p:txBody>
-      </p:sp>
-      <p:sp>
-        <p:nvSpPr>
-          <p:cNvPr id="5" name="Text Placeholder 4"/>
-          <p:cNvSpPr>
-            <a:spLocks noGrp="1"/>
-          </p:cNvSpPr>
-          <p:nvPr>
-            <p:ph type="body" sz="quarter" idx="10"/>
-          </p:nvPr>
-        </p:nvSpPr>
-        <p:spPr>
-          <a:xfrm>
-            <a:off x="914400" y="2001076"/>
-            <a:ext cx="11018520" cy="4235132"/>
-          </a:xfrm>
-        </p:spPr>
-        <p:txBody>
-          <a:bodyPr/>
-          <a:lstStyle/>
-          <a:p>
-            <a:r>
-              <a:rPr lang="en-US" dirty="0">
-                <a:latin typeface="Poppins" panose="00000500000000000000" pitchFamily="2" charset="0"/>
-                <a:cs typeface="Poppins" panose="00000500000000000000" pitchFamily="2" charset="0"/>
-              </a:rPr>
-              <a:t># sets up Git with your name</a:t>
-            </a:r>
-          </a:p>
-          <a:p>
-            <a:r>
-              <a:rPr lang="en-US" dirty="0">
-                <a:latin typeface="Poppins" panose="00000500000000000000" pitchFamily="2" charset="0"/>
-                <a:cs typeface="Poppins" panose="00000500000000000000" pitchFamily="2" charset="0"/>
-              </a:rPr>
-              <a:t>git config --global user.name "&lt;Your-Full-Name&gt;"</a:t>
-            </a:r>
-          </a:p>
-          <a:p>
-            <a:endParaRPr lang="en-US" dirty="0">
-              <a:latin typeface="Poppins" panose="00000500000000000000" pitchFamily="2" charset="0"/>
-              <a:cs typeface="Poppins" panose="00000500000000000000" pitchFamily="2" charset="0"/>
-            </a:endParaRPr>
-          </a:p>
-          <a:p>
-            <a:r>
-              <a:rPr lang="en-US" dirty="0">
-                <a:latin typeface="Poppins" panose="00000500000000000000" pitchFamily="2" charset="0"/>
-                <a:cs typeface="Poppins" panose="00000500000000000000" pitchFamily="2" charset="0"/>
-              </a:rPr>
-              <a:t># sets up Git with your email</a:t>
-            </a:r>
-          </a:p>
-          <a:p>
-            <a:r>
-              <a:rPr lang="en-US" dirty="0">
-                <a:latin typeface="Poppins" panose="00000500000000000000" pitchFamily="2" charset="0"/>
-                <a:cs typeface="Poppins" panose="00000500000000000000" pitchFamily="2" charset="0"/>
-              </a:rPr>
-              <a:t>git config --global </a:t>
-            </a:r>
-            <a:r>
-              <a:rPr lang="en-US" dirty="0" err="1">
-                <a:latin typeface="Poppins" panose="00000500000000000000" pitchFamily="2" charset="0"/>
-                <a:cs typeface="Poppins" panose="00000500000000000000" pitchFamily="2" charset="0"/>
-              </a:rPr>
-              <a:t>user.email</a:t>
-            </a:r>
-            <a:r>
-              <a:rPr lang="en-US" dirty="0">
-                <a:latin typeface="Poppins" panose="00000500000000000000" pitchFamily="2" charset="0"/>
-                <a:cs typeface="Poppins" panose="00000500000000000000" pitchFamily="2" charset="0"/>
-              </a:rPr>
-              <a:t> "&lt;your-email-address&gt;"</a:t>
-            </a:r>
-          </a:p>
-          <a:p>
-            <a:endParaRPr lang="en-US" dirty="0">
-              <a:latin typeface="Poppins" panose="00000500000000000000" pitchFamily="2" charset="0"/>
-              <a:cs typeface="Poppins" panose="00000500000000000000" pitchFamily="2" charset="0"/>
-            </a:endParaRPr>
-          </a:p>
-          <a:p>
-            <a:r>
-              <a:rPr lang="en-US" dirty="0">
-                <a:latin typeface="Poppins" panose="00000500000000000000" pitchFamily="2" charset="0"/>
-                <a:cs typeface="Poppins" panose="00000500000000000000" pitchFamily="2" charset="0"/>
-              </a:rPr>
-              <a:t># ensures that Git output is colored</a:t>
-            </a:r>
-          </a:p>
-          <a:p>
-            <a:r>
-              <a:rPr lang="en-US" dirty="0">
-                <a:latin typeface="Poppins" panose="00000500000000000000" pitchFamily="2" charset="0"/>
-                <a:cs typeface="Poppins" panose="00000500000000000000" pitchFamily="2" charset="0"/>
-              </a:rPr>
-              <a:t>git config --global </a:t>
-            </a:r>
-            <a:r>
-              <a:rPr lang="en-US" dirty="0" err="1">
-                <a:latin typeface="Poppins" panose="00000500000000000000" pitchFamily="2" charset="0"/>
-                <a:cs typeface="Poppins" panose="00000500000000000000" pitchFamily="2" charset="0"/>
-              </a:rPr>
-              <a:t>color.ui</a:t>
-            </a:r>
-            <a:r>
-              <a:rPr lang="en-US" dirty="0">
-                <a:latin typeface="Poppins" panose="00000500000000000000" pitchFamily="2" charset="0"/>
-                <a:cs typeface="Poppins" panose="00000500000000000000" pitchFamily="2" charset="0"/>
-              </a:rPr>
-              <a:t> auto</a:t>
-            </a:r>
-          </a:p>
-          <a:p>
-            <a:endParaRPr lang="en-US" dirty="0">
-              <a:latin typeface="Poppins" panose="00000500000000000000" pitchFamily="2" charset="0"/>
-              <a:cs typeface="Poppins" panose="00000500000000000000" pitchFamily="2" charset="0"/>
-            </a:endParaRPr>
-          </a:p>
-        </p:txBody>
-      </p:sp>
-      <p:sp>
-        <p:nvSpPr>
-          <p:cNvPr id="3" name="TextBox 23">
-            <a:hlinkClick r:id="rId3"/>
-            <a:extLst>
-              <a:ext uri="{FF2B5EF4-FFF2-40B4-BE49-F238E27FC236}">
-                <a16:creationId xmlns:a16="http://schemas.microsoft.com/office/drawing/2014/main" id="{BC16A2A7-D3F7-C424-A89C-D70BEBD1D113}"/>
-              </a:ext>
-            </a:extLst>
-          </p:cNvPr>
-          <p:cNvSpPr txBox="1"/>
-          <p:nvPr/>
-        </p:nvSpPr>
-        <p:spPr>
-          <a:xfrm>
-            <a:off x="10370152" y="6083711"/>
-            <a:ext cx="1821848" cy="557589"/>
-          </a:xfrm>
-          <a:prstGeom prst="rect">
-            <a:avLst/>
-          </a:prstGeom>
-        </p:spPr>
-        <p:txBody>
-          <a:bodyPr wrap="square" lIns="0" tIns="0" rIns="0" bIns="0" rtlCol="0" anchor="t">
-            <a:spAutoFit/>
-          </a:bodyPr>
-          <a:lstStyle/>
-          <a:p>
-            <a:pPr algn="ctr">
-              <a:lnSpc>
-                <a:spcPts val="5190"/>
-              </a:lnSpc>
-              <a:spcBef>
-                <a:spcPct val="0"/>
-              </a:spcBef>
-            </a:pPr>
-            <a:r>
-              <a:rPr lang="en-US" sz="1050" dirty="0">
-                <a:latin typeface="Poppins" panose="00000500000000000000" pitchFamily="2" charset="0"/>
-                <a:cs typeface="Poppins" panose="00000500000000000000" pitchFamily="2" charset="0"/>
-                <a:hlinkClick r:id="rId4">
-                  <a:extLst>
-                    <a:ext uri="{A12FA001-AC4F-418D-AE19-62706E023703}">
-                      <ahyp:hlinkClr xmlns:ahyp="http://schemas.microsoft.com/office/drawing/2018/hyperlinkcolor" val="tx"/>
-                    </a:ext>
-                  </a:extLst>
-                </a:hlinkClick>
-              </a:rPr>
-              <a:t>@mmsalmanfaris</a:t>
-            </a:r>
-            <a:endParaRPr lang="en-US" sz="1050" dirty="0">
-              <a:latin typeface="Poppins" panose="00000500000000000000" pitchFamily="2" charset="0"/>
-              <a:cs typeface="Poppins" panose="00000500000000000000" pitchFamily="2" charset="0"/>
-            </a:endParaRPr>
-          </a:p>
-        </p:txBody>
-      </p:sp>
-    </p:spTree>
-    <p:extLst>
-      <p:ext uri="{BB962C8B-B14F-4D97-AF65-F5344CB8AC3E}">
-        <p14:creationId xmlns:p14="http://schemas.microsoft.com/office/powerpoint/2010/main" val="630566199"/>
       </p:ext>
     </p:extLst>
   </p:cSld>
@@ -14818,6 +15903,15 @@
 </file>
 
 <file path=customXml/item2.xml><?xml version="1.0" encoding="utf-8"?>
+<?mso-contentType ?>
+<FormTemplates xmlns="http://schemas.microsoft.com/sharepoint/v3/contenttype/forms">
+  <Display>DocumentLibraryForm</Display>
+  <Edit>DocumentLibraryForm</Edit>
+  <New>DocumentLibraryForm</New>
+</FormTemplates>
+</file>
+
+<file path=customXml/item3.xml><?xml version="1.0" encoding="utf-8"?>
 <ct:contentTypeSchema xmlns:ct="http://schemas.microsoft.com/office/2006/metadata/contentType" xmlns:ma="http://schemas.microsoft.com/office/2006/metadata/properties/metaAttributes" ct:_="" ma:_="" ma:contentTypeName="Document" ma:contentTypeID="0x010100EB70875F8A162F4281B25BED318E0D04" ma:contentTypeVersion="16" ma:contentTypeDescription="Create a new document." ma:contentTypeScope="" ma:versionID="15968fd430609c8262933dc94c0599f6">
   <xsd:schema xmlns:xsd="http://www.w3.org/2001/XMLSchema" xmlns:xs="http://www.w3.org/2001/XMLSchema" xmlns:p="http://schemas.microsoft.com/office/2006/metadata/properties" xmlns:ns3="8882fcd3-a902-4219-bcef-bb2726691434" xmlns:ns4="32baed4a-51d4-41c7-8bbd-49e13508bcc4" targetNamespace="http://schemas.microsoft.com/office/2006/metadata/properties" ma:root="true" ma:fieldsID="273952e2207286055fa540176239cd1b" ns3:_="" ns4:_="">
     <xsd:import namespace="8882fcd3-a902-4219-bcef-bb2726691434"/>
@@ -15058,15 +16152,6 @@
 </ct:contentTypeSchema>
 </file>
 
-<file path=customXml/item3.xml><?xml version="1.0" encoding="utf-8"?>
-<?mso-contentType ?>
-<FormTemplates xmlns="http://schemas.microsoft.com/sharepoint/v3/contenttype/forms">
-  <Display>DocumentLibraryForm</Display>
-  <Edit>DocumentLibraryForm</Edit>
-  <New>DocumentLibraryForm</New>
-</FormTemplates>
-</file>
-
 <file path=customXml/itemProps1.xml><?xml version="1.0" encoding="utf-8"?>
 <ds:datastoreItem xmlns:ds="http://schemas.openxmlformats.org/officeDocument/2006/customXml" ds:itemID="{984EED2D-C894-47C4-9CDD-55EC03B2713B}">
   <ds:schemaRefs>
@@ -15085,6 +16170,14 @@
 </file>
 
 <file path=customXml/itemProps2.xml><?xml version="1.0" encoding="utf-8"?>
+<ds:datastoreItem xmlns:ds="http://schemas.openxmlformats.org/officeDocument/2006/customXml" ds:itemID="{28431A9B-4B87-4F2F-AB9E-CAE6A6729B86}">
+  <ds:schemaRefs>
+    <ds:schemaRef ds:uri="http://schemas.microsoft.com/sharepoint/v3/contenttype/forms"/>
+  </ds:schemaRefs>
+</ds:datastoreItem>
+</file>
+
+<file path=customXml/itemProps3.xml><?xml version="1.0" encoding="utf-8"?>
 <ds:datastoreItem xmlns:ds="http://schemas.openxmlformats.org/officeDocument/2006/customXml" ds:itemID="{B83093EB-75FC-407A-8D58-D25EE2478EC0}">
   <ds:schemaRefs>
     <ds:schemaRef ds:uri="http://schemas.microsoft.com/office/2006/metadata/contentType"/>
@@ -15101,12 +16194,4 @@
     <ds:schemaRef ds:uri="http://schemas.microsoft.com/internal/obd"/>
   </ds:schemaRefs>
 </ds:datastoreItem>
-</file>
-
-<file path=customXml/itemProps3.xml><?xml version="1.0" encoding="utf-8"?>
-<ds:datastoreItem xmlns:ds="http://schemas.openxmlformats.org/officeDocument/2006/customXml" ds:itemID="{28431A9B-4B87-4F2F-AB9E-CAE6A6729B86}">
-  <ds:schemaRefs>
-    <ds:schemaRef ds:uri="http://schemas.microsoft.com/sharepoint/v3/contenttype/forms"/>
-  </ds:schemaRefs>
-</ds:datastoreItem>
 </file>